--- a/Web-API/WebApi.pptx
+++ b/Web-API/WebApi.pptx
@@ -5,7 +5,7 @@
     <p:sldMasterId id="2147483660" r:id="rId1"/>
   </p:sldMasterIdLst>
   <p:notesMasterIdLst>
-    <p:notesMasterId r:id="rId39"/>
+    <p:notesMasterId r:id="rId38"/>
   </p:notesMasterIdLst>
   <p:sldIdLst>
     <p:sldId id="256" r:id="rId2"/>
@@ -19,32 +19,31 @@
     <p:sldId id="267" r:id="rId10"/>
     <p:sldId id="269" r:id="rId11"/>
     <p:sldId id="268" r:id="rId12"/>
-    <p:sldId id="266" r:id="rId13"/>
-    <p:sldId id="298" r:id="rId14"/>
-    <p:sldId id="271" r:id="rId15"/>
-    <p:sldId id="278" r:id="rId16"/>
-    <p:sldId id="279" r:id="rId17"/>
-    <p:sldId id="287" r:id="rId18"/>
-    <p:sldId id="288" r:id="rId19"/>
-    <p:sldId id="289" r:id="rId20"/>
-    <p:sldId id="277" r:id="rId21"/>
-    <p:sldId id="272" r:id="rId22"/>
-    <p:sldId id="273" r:id="rId23"/>
-    <p:sldId id="274" r:id="rId24"/>
-    <p:sldId id="275" r:id="rId25"/>
-    <p:sldId id="276" r:id="rId26"/>
-    <p:sldId id="280" r:id="rId27"/>
-    <p:sldId id="281" r:id="rId28"/>
-    <p:sldId id="282" r:id="rId29"/>
-    <p:sldId id="283" r:id="rId30"/>
-    <p:sldId id="284" r:id="rId31"/>
-    <p:sldId id="290" r:id="rId32"/>
-    <p:sldId id="291" r:id="rId33"/>
-    <p:sldId id="292" r:id="rId34"/>
-    <p:sldId id="293" r:id="rId35"/>
-    <p:sldId id="294" r:id="rId36"/>
-    <p:sldId id="296" r:id="rId37"/>
-    <p:sldId id="297" r:id="rId38"/>
+    <p:sldId id="298" r:id="rId13"/>
+    <p:sldId id="271" r:id="rId14"/>
+    <p:sldId id="278" r:id="rId15"/>
+    <p:sldId id="279" r:id="rId16"/>
+    <p:sldId id="287" r:id="rId17"/>
+    <p:sldId id="288" r:id="rId18"/>
+    <p:sldId id="289" r:id="rId19"/>
+    <p:sldId id="277" r:id="rId20"/>
+    <p:sldId id="272" r:id="rId21"/>
+    <p:sldId id="273" r:id="rId22"/>
+    <p:sldId id="274" r:id="rId23"/>
+    <p:sldId id="275" r:id="rId24"/>
+    <p:sldId id="276" r:id="rId25"/>
+    <p:sldId id="280" r:id="rId26"/>
+    <p:sldId id="281" r:id="rId27"/>
+    <p:sldId id="282" r:id="rId28"/>
+    <p:sldId id="283" r:id="rId29"/>
+    <p:sldId id="284" r:id="rId30"/>
+    <p:sldId id="290" r:id="rId31"/>
+    <p:sldId id="291" r:id="rId32"/>
+    <p:sldId id="292" r:id="rId33"/>
+    <p:sldId id="293" r:id="rId34"/>
+    <p:sldId id="294" r:id="rId35"/>
+    <p:sldId id="296" r:id="rId36"/>
+    <p:sldId id="297" r:id="rId37"/>
   </p:sldIdLst>
   <p:sldSz cx="9144000" cy="6858000" type="screen4x3"/>
   <p:notesSz cx="6858000" cy="9144000"/>
@@ -1116,7 +1115,7 @@
             <a:fld id="{2D9E14CC-2DBD-46FF-A4A3-27C8D547286A}" type="slidenum">
               <a:rPr lang="en-US" smtClean="0"/>
               <a:pPr/>
-              <a:t>21</a:t>
+              <a:t>20</a:t>
             </a:fld>
             <a:endParaRPr lang="en-US"/>
           </a:p>
@@ -1198,7 +1197,7 @@
             <a:fld id="{2D9E14CC-2DBD-46FF-A4A3-27C8D547286A}" type="slidenum">
               <a:rPr lang="en-US" smtClean="0"/>
               <a:pPr/>
-              <a:t>22</a:t>
+              <a:t>21</a:t>
             </a:fld>
             <a:endParaRPr lang="en-US"/>
           </a:p>
@@ -1280,7 +1279,7 @@
             <a:fld id="{2D9E14CC-2DBD-46FF-A4A3-27C8D547286A}" type="slidenum">
               <a:rPr lang="en-US" smtClean="0"/>
               <a:pPr/>
-              <a:t>23</a:t>
+              <a:t>22</a:t>
             </a:fld>
             <a:endParaRPr lang="en-US"/>
           </a:p>
@@ -1362,7 +1361,7 @@
             <a:fld id="{2D9E14CC-2DBD-46FF-A4A3-27C8D547286A}" type="slidenum">
               <a:rPr lang="en-US" smtClean="0"/>
               <a:pPr/>
-              <a:t>24</a:t>
+              <a:t>23</a:t>
             </a:fld>
             <a:endParaRPr lang="en-US"/>
           </a:p>
@@ -1444,7 +1443,7 @@
             <a:fld id="{2D9E14CC-2DBD-46FF-A4A3-27C8D547286A}" type="slidenum">
               <a:rPr lang="en-US" smtClean="0"/>
               <a:pPr/>
-              <a:t>26</a:t>
+              <a:t>25</a:t>
             </a:fld>
             <a:endParaRPr lang="en-US"/>
           </a:p>
@@ -5688,7 +5687,7 @@
           <a:p>
             <a:r>
               <a:rPr lang="en-US" sz="2400" dirty="0" smtClean="0"/>
-              <a:t>Difference between Web API and MVC controller</a:t>
+              <a:t>Test Web API</a:t>
             </a:r>
             <a:endParaRPr lang="en-US" sz="2400" dirty="0"/>
           </a:p>
@@ -5711,274 +5710,46 @@
           </a:bodyPr>
           <a:lstStyle/>
           <a:p>
-            <a:endParaRPr lang="en-US" sz="1800" dirty="0">
-              <a:solidFill>
-                <a:srgbClr val="C00000"/>
-              </a:solidFill>
-            </a:endParaRPr>
-          </a:p>
-          <a:p>
-            <a:endParaRPr lang="en-US" sz="1800" dirty="0" smtClean="0">
-              <a:solidFill>
-                <a:srgbClr val="C00000"/>
-              </a:solidFill>
-            </a:endParaRPr>
+            <a:r>
+              <a:rPr lang="en-US" sz="2400" dirty="0" smtClean="0"/>
+              <a:t>following third party tools for testing Web API.</a:t>
+            </a:r>
+          </a:p>
+          <a:p>
+            <a:r>
+              <a:rPr lang="en-US" sz="2400" dirty="0" smtClean="0">
+                <a:hlinkClick r:id="rId2"/>
+              </a:rPr>
+              <a:t>Fiddler</a:t>
+            </a:r>
+            <a:endParaRPr lang="en-US" sz="2400" dirty="0" smtClean="0"/>
+          </a:p>
+          <a:p>
+            <a:r>
+              <a:rPr lang="en-US" sz="2400" dirty="0" smtClean="0">
+                <a:hlinkClick r:id="rId3"/>
+              </a:rPr>
+              <a:t>Postman</a:t>
+            </a:r>
+            <a:endParaRPr lang="en-US" sz="2400" dirty="0" smtClean="0"/>
+          </a:p>
+          <a:p>
+            <a:r>
+              <a:rPr lang="en-US" sz="2400" dirty="0" smtClean="0"/>
+              <a:t>Fiddler:</a:t>
+            </a:r>
+          </a:p>
+          <a:p>
+            <a:r>
+              <a:rPr lang="en-US" sz="2400" dirty="0" smtClean="0"/>
+              <a:t>Fiddler is a free debugging proxy for any browser. We can use it to compose and execute different HTTP requests to our Web API and check HTTP response.</a:t>
+            </a:r>
           </a:p>
           <a:p>
             <a:endParaRPr lang="en-US" sz="1800" dirty="0" smtClean="0"/>
           </a:p>
         </p:txBody>
       </p:sp>
-      <p:graphicFrame>
-        <p:nvGraphicFramePr>
-          <p:cNvPr id="6" name="Table 5"/>
-          <p:cNvGraphicFramePr>
-            <a:graphicFrameLocks noGrp="1"/>
-          </p:cNvGraphicFramePr>
-          <p:nvPr/>
-        </p:nvGraphicFramePr>
-        <p:xfrm>
-          <a:off x="685800" y="1600200"/>
-          <a:ext cx="7010400" cy="3857427"/>
-        </p:xfrm>
-        <a:graphic>
-          <a:graphicData uri="http://schemas.openxmlformats.org/drawingml/2006/table">
-            <a:tbl>
-              <a:tblPr firstRow="1" bandRow="1">
-                <a:tableStyleId>{5C22544A-7EE6-4342-B048-85BDC9FD1C3A}</a:tableStyleId>
-              </a:tblPr>
-              <a:tblGrid>
-                <a:gridCol w="3505200">
-                  <a:extLst>
-                    <a:ext uri="{9D8B030D-6E8A-4147-A177-3AD203B41FA5}">
-                      <a16:colId xmlns:a16="http://schemas.microsoft.com/office/drawing/2014/main" val="20000"/>
-                    </a:ext>
-                  </a:extLst>
-                </a:gridCol>
-                <a:gridCol w="3505200">
-                  <a:extLst>
-                    <a:ext uri="{9D8B030D-6E8A-4147-A177-3AD203B41FA5}">
-                      <a16:colId xmlns:a16="http://schemas.microsoft.com/office/drawing/2014/main" val="20001"/>
-                    </a:ext>
-                  </a:extLst>
-                </a:gridCol>
-              </a:tblGrid>
-              <a:tr h="368452">
-                <a:tc>
-                  <a:txBody>
-                    <a:bodyPr/>
-                    <a:lstStyle/>
-                    <a:p>
-                      <a:pPr algn="l" fontAlgn="b"/>
-                      <a:r>
-                        <a:rPr lang="en-US" b="1" dirty="0"/>
-                        <a:t>Web API Controller</a:t>
-                      </a:r>
-                      <a:endParaRPr lang="en-US" dirty="0"/>
-                    </a:p>
-                  </a:txBody>
-                  <a:tcPr marL="47625" marR="47625" marT="47625" marB="47625" anchor="b"/>
-                </a:tc>
-                <a:tc>
-                  <a:txBody>
-                    <a:bodyPr/>
-                    <a:lstStyle/>
-                    <a:p>
-                      <a:pPr algn="l" fontAlgn="b"/>
-                      <a:r>
-                        <a:rPr lang="en-US" b="1" dirty="0"/>
-                        <a:t>MVC Controller</a:t>
-                      </a:r>
-                      <a:endParaRPr lang="en-US" dirty="0"/>
-                    </a:p>
-                  </a:txBody>
-                  <a:tcPr marL="47625" marR="47625" marT="47625" marB="47625" anchor="b"/>
-                </a:tc>
-                <a:extLst>
-                  <a:ext uri="{0D108BD9-81ED-4DB2-BD59-A6C34878D82A}">
-                    <a16:rowId xmlns:a16="http://schemas.microsoft.com/office/drawing/2014/main" val="10000"/>
-                  </a:ext>
-                </a:extLst>
-              </a:tr>
-              <a:tr h="912297">
-                <a:tc>
-                  <a:txBody>
-                    <a:bodyPr/>
-                    <a:lstStyle/>
-                    <a:p>
-                      <a:pPr fontAlgn="t"/>
-                      <a:r>
-                        <a:rPr lang="en-US" dirty="0"/>
-                        <a:t>Derives from System.Web.Http.ApiController class</a:t>
-                      </a:r>
-                    </a:p>
-                  </a:txBody>
-                  <a:tcPr marL="47625" marR="47625" marT="47625" marB="47625"/>
-                </a:tc>
-                <a:tc>
-                  <a:txBody>
-                    <a:bodyPr/>
-                    <a:lstStyle/>
-                    <a:p>
-                      <a:pPr fontAlgn="t"/>
-                      <a:r>
-                        <a:rPr lang="en-US"/>
-                        <a:t>Derives from System.Web.Mvc.Controller class.</a:t>
-                      </a:r>
-                    </a:p>
-                  </a:txBody>
-                  <a:tcPr marL="47625" marR="47625" marT="47625" marB="47625"/>
-                </a:tc>
-                <a:extLst>
-                  <a:ext uri="{0D108BD9-81ED-4DB2-BD59-A6C34878D82A}">
-                    <a16:rowId xmlns:a16="http://schemas.microsoft.com/office/drawing/2014/main" val="10001"/>
-                  </a:ext>
-                </a:extLst>
-              </a:tr>
-              <a:tr h="912297">
-                <a:tc>
-                  <a:txBody>
-                    <a:bodyPr/>
-                    <a:lstStyle/>
-                    <a:p>
-                      <a:pPr fontAlgn="t"/>
-                      <a:r>
-                        <a:rPr lang="en-US"/>
-                        <a:t>Method name must start with Http verbs otherwise apply http verbs attribute.</a:t>
-                      </a:r>
-                    </a:p>
-                  </a:txBody>
-                  <a:tcPr marL="47625" marR="47625" marT="47625" marB="47625"/>
-                </a:tc>
-                <a:tc>
-                  <a:txBody>
-                    <a:bodyPr/>
-                    <a:lstStyle/>
-                    <a:p>
-                      <a:pPr fontAlgn="t"/>
-                      <a:r>
-                        <a:rPr lang="en-US"/>
-                        <a:t>Must apply appropriate Http verbs attribute.</a:t>
-                      </a:r>
-                    </a:p>
-                  </a:txBody>
-                  <a:tcPr marL="47625" marR="47625" marT="47625" marB="47625"/>
-                </a:tc>
-                <a:extLst>
-                  <a:ext uri="{0D108BD9-81ED-4DB2-BD59-A6C34878D82A}">
-                    <a16:rowId xmlns:a16="http://schemas.microsoft.com/office/drawing/2014/main" val="10002"/>
-                  </a:ext>
-                </a:extLst>
-              </a:tr>
-              <a:tr h="368452">
-                <a:tc>
-                  <a:txBody>
-                    <a:bodyPr/>
-                    <a:lstStyle/>
-                    <a:p>
-                      <a:pPr fontAlgn="t"/>
-                      <a:r>
-                        <a:rPr lang="en-US"/>
-                        <a:t>Specialized in returning data.</a:t>
-                      </a:r>
-                    </a:p>
-                  </a:txBody>
-                  <a:tcPr marL="47625" marR="47625" marT="47625" marB="47625"/>
-                </a:tc>
-                <a:tc>
-                  <a:txBody>
-                    <a:bodyPr/>
-                    <a:lstStyle/>
-                    <a:p>
-                      <a:pPr fontAlgn="t"/>
-                      <a:r>
-                        <a:rPr lang="en-US"/>
-                        <a:t>Specialized in rendering view.</a:t>
-                      </a:r>
-                    </a:p>
-                  </a:txBody>
-                  <a:tcPr marL="47625" marR="47625" marT="47625" marB="47625"/>
-                </a:tc>
-                <a:extLst>
-                  <a:ext uri="{0D108BD9-81ED-4DB2-BD59-A6C34878D82A}">
-                    <a16:rowId xmlns:a16="http://schemas.microsoft.com/office/drawing/2014/main" val="10003"/>
-                  </a:ext>
-                </a:extLst>
-              </a:tr>
-              <a:tr h="859353">
-                <a:tc>
-                  <a:txBody>
-                    <a:bodyPr/>
-                    <a:lstStyle/>
-                    <a:p>
-                      <a:pPr fontAlgn="t"/>
-                      <a:r>
-                        <a:rPr lang="en-US" dirty="0"/>
-                        <a:t>Return data automatically formatted based on Accept-Type header attribute. Default to json or xml.</a:t>
-                      </a:r>
-                    </a:p>
-                  </a:txBody>
-                  <a:tcPr marL="47625" marR="47625" marT="47625" marB="47625"/>
-                </a:tc>
-                <a:tc>
-                  <a:txBody>
-                    <a:bodyPr/>
-                    <a:lstStyle/>
-                    <a:p>
-                      <a:pPr fontAlgn="t"/>
-                      <a:r>
-                        <a:rPr lang="en-US" dirty="0"/>
-                        <a:t>Returns ActionResult or any derived type.</a:t>
-                      </a:r>
-                    </a:p>
-                  </a:txBody>
-                  <a:tcPr marL="47625" marR="47625" marT="47625" marB="47625"/>
-                </a:tc>
-                <a:extLst>
-                  <a:ext uri="{0D108BD9-81ED-4DB2-BD59-A6C34878D82A}">
-                    <a16:rowId xmlns:a16="http://schemas.microsoft.com/office/drawing/2014/main" val="10004"/>
-                  </a:ext>
-                </a:extLst>
-              </a:tr>
-              <a:tr h="368452">
-                <a:tc>
-                  <a:txBody>
-                    <a:bodyPr/>
-                    <a:lstStyle/>
-                    <a:p>
-                      <a:pPr fontAlgn="t"/>
-                      <a:r>
-                        <a:rPr lang="en-US" dirty="0"/>
-                        <a:t>Requires .NET 4.0 or above</a:t>
-                      </a:r>
-                    </a:p>
-                  </a:txBody>
-                  <a:tcPr marL="47625" marR="47625" marT="47625" marB="47625"/>
-                </a:tc>
-                <a:tc>
-                  <a:txBody>
-                    <a:bodyPr/>
-                    <a:lstStyle/>
-                    <a:p>
-                      <a:pPr fontAlgn="t"/>
-                      <a:r>
-                        <a:rPr lang="en-US" dirty="0"/>
-                        <a:t>Requires .NET 3.5 or above</a:t>
-                      </a:r>
-                    </a:p>
-                  </a:txBody>
-                  <a:tcPr marL="47625" marR="47625" marT="47625" marB="47625"/>
-                </a:tc>
-                <a:extLst>
-                  <a:ext uri="{0D108BD9-81ED-4DB2-BD59-A6C34878D82A}">
-                    <a16:rowId xmlns:a16="http://schemas.microsoft.com/office/drawing/2014/main" val="10005"/>
-                  </a:ext>
-                </a:extLst>
-              </a:tr>
-            </a:tbl>
-          </a:graphicData>
-        </a:graphic>
-      </p:graphicFrame>
     </p:spTree>
     <p:extLst>
       <p:ext uri="{BB962C8B-B14F-4D97-AF65-F5344CB8AC3E}">
@@ -6035,7 +5806,7 @@
           <a:p>
             <a:r>
               <a:rPr lang="en-US" sz="2400" dirty="0" smtClean="0"/>
-              <a:t>Test Web API</a:t>
+              <a:t>POSTMAN</a:t>
             </a:r>
             <a:endParaRPr lang="en-US" sz="2400" dirty="0"/>
           </a:p>
@@ -6059,41 +5830,52 @@
           <a:lstStyle/>
           <a:p>
             <a:r>
-              <a:rPr lang="en-US" sz="2400" dirty="0" smtClean="0"/>
-              <a:t>following third party tools for testing Web API.</a:t>
-            </a:r>
-          </a:p>
-          <a:p>
-            <a:r>
-              <a:rPr lang="en-US" sz="2400" dirty="0" smtClean="0">
+              <a:rPr lang="en-US" sz="1800" b="1" dirty="0" smtClean="0"/>
+              <a:t>What is Postman?</a:t>
+            </a:r>
+            <a:endParaRPr lang="en-US" sz="1800" dirty="0" smtClean="0"/>
+          </a:p>
+          <a:p>
+            <a:r>
+              <a:rPr lang="en-US" sz="1800" dirty="0" smtClean="0"/>
+              <a:t>Postman is currently one of the most popular tools used in API testing.</a:t>
+            </a:r>
+          </a:p>
+          <a:p>
+            <a:r>
+              <a:rPr lang="en-US" sz="1800" dirty="0" smtClean="0"/>
+              <a:t>It simplify API workflow in testing and development.</a:t>
+            </a:r>
+          </a:p>
+          <a:p>
+            <a:r>
+              <a:rPr lang="en-US" sz="1800" dirty="0" smtClean="0"/>
+              <a:t>Postman is a Google Chrome app for interacting with HTTP APIs. </a:t>
+            </a:r>
+          </a:p>
+          <a:p>
+            <a:r>
+              <a:rPr lang="en-US" sz="1800" dirty="0" smtClean="0"/>
+              <a:t>It presents you with a friendly GUI for constructing requests and reading responses.</a:t>
+            </a:r>
+          </a:p>
+          <a:p>
+            <a:r>
+              <a:rPr lang="en-US" sz="1800" dirty="0" smtClean="0"/>
+              <a:t>It has the ability to make various types of HTTP requests(GET, POST, PUT, PATCH)</a:t>
+            </a:r>
+          </a:p>
+          <a:p>
+            <a:r>
+              <a:rPr lang="en-US" sz="1800" dirty="0" smtClean="0"/>
+              <a:t>Download link: </a:t>
+            </a:r>
+            <a:r>
+              <a:rPr lang="en-US" sz="1800" dirty="0" smtClean="0">
                 <a:hlinkClick r:id="rId2"/>
               </a:rPr>
-              <a:t>Fiddler</a:t>
-            </a:r>
-            <a:endParaRPr lang="en-US" sz="2400" dirty="0" smtClean="0"/>
-          </a:p>
-          <a:p>
-            <a:r>
-              <a:rPr lang="en-US" sz="2400" dirty="0" smtClean="0">
-                <a:hlinkClick r:id="rId3"/>
-              </a:rPr>
-              <a:t>Postman</a:t>
-            </a:r>
-            <a:endParaRPr lang="en-US" sz="2400" dirty="0" smtClean="0"/>
-          </a:p>
-          <a:p>
-            <a:r>
-              <a:rPr lang="en-US" sz="2400" dirty="0" smtClean="0"/>
-              <a:t>Fiddler:</a:t>
-            </a:r>
-          </a:p>
-          <a:p>
-            <a:r>
-              <a:rPr lang="en-US" sz="2400" dirty="0" smtClean="0"/>
-              <a:t>Fiddler is a free debugging proxy for any browser. We can use it to compose and execute different HTTP requests to our Web API and check HTTP response.</a:t>
-            </a:r>
-          </a:p>
-          <a:p>
+              <a:t>https://www.postman.com/postman</a:t>
+            </a:r>
             <a:endParaRPr lang="en-US" sz="1800" dirty="0" smtClean="0"/>
           </a:p>
         </p:txBody>
@@ -6153,8 +5935,8 @@
           <a:lstStyle/>
           <a:p>
             <a:r>
-              <a:rPr lang="en-US" sz="2400" dirty="0" smtClean="0"/>
-              <a:t>POSTMAN</a:t>
+              <a:rPr lang="en-US" sz="2400" b="1" dirty="0" smtClean="0"/>
+              <a:t>Content Negotiation in Web API</a:t>
             </a:r>
             <a:endParaRPr lang="en-US" sz="2400" dirty="0"/>
           </a:p>
@@ -6178,51 +5960,59 @@
           <a:lstStyle/>
           <a:p>
             <a:r>
-              <a:rPr lang="en-US" sz="1800" b="1" dirty="0" smtClean="0"/>
-              <a:t>What is Postman?</a:t>
-            </a:r>
-            <a:endParaRPr lang="en-US" sz="1800" dirty="0" smtClean="0"/>
-          </a:p>
-          <a:p>
-            <a:r>
-              <a:rPr lang="en-US" sz="1800" dirty="0" smtClean="0"/>
-              <a:t>Postman is currently one of the most popular tools used in API testing.</a:t>
-            </a:r>
-          </a:p>
-          <a:p>
-            <a:r>
-              <a:rPr lang="en-US" sz="1800" dirty="0" smtClean="0"/>
-              <a:t>It simplify API workflow in testing and development.</a:t>
-            </a:r>
-          </a:p>
-          <a:p>
-            <a:r>
-              <a:rPr lang="en-US" sz="1800" dirty="0" smtClean="0"/>
-              <a:t>Postman is a Google Chrome app for interacting with HTTP APIs. </a:t>
-            </a:r>
-          </a:p>
-          <a:p>
-            <a:r>
-              <a:rPr lang="en-US" sz="1800" dirty="0" smtClean="0"/>
-              <a:t>It presents you with a friendly GUI for constructing requests and reading responses.</a:t>
-            </a:r>
-          </a:p>
-          <a:p>
-            <a:r>
-              <a:rPr lang="en-US" sz="1800" dirty="0" smtClean="0"/>
-              <a:t>It has the ability to make various types of HTTP requests(GET, POST, PUT, PATCH)</a:t>
-            </a:r>
-          </a:p>
-          <a:p>
-            <a:r>
-              <a:rPr lang="en-US" sz="1800" dirty="0" smtClean="0"/>
-              <a:t>Download link: </a:t>
-            </a:r>
-            <a:r>
-              <a:rPr lang="en-US" sz="1800" dirty="0" smtClean="0">
-                <a:hlinkClick r:id="rId2"/>
-              </a:rPr>
-              <a:t>https://www.postman.com/postman</a:t>
+              <a:rPr lang="en-US" sz="2400" dirty="0" smtClean="0"/>
+              <a:t>One of the standards of the </a:t>
+            </a:r>
+            <a:r>
+              <a:rPr lang="en-US" sz="2400" dirty="0" err="1" smtClean="0"/>
+              <a:t>RESTful</a:t>
+            </a:r>
+            <a:r>
+              <a:rPr lang="en-US" sz="2400" dirty="0" smtClean="0"/>
+              <a:t> service is that, the client should have the ability to decide in which format they want the response - XML, JSON etc. A request that is sent to the server includes an Accept header. Using the Accept header the client can specify the format for the response. For example</a:t>
+            </a:r>
+            <a:br>
+              <a:rPr lang="en-US" sz="2400" dirty="0" smtClean="0"/>
+            </a:br>
+            <a:r>
+              <a:rPr lang="en-US" sz="2400" dirty="0" smtClean="0"/>
+              <a:t/>
+            </a:r>
+            <a:br>
+              <a:rPr lang="en-US" sz="2400" dirty="0" smtClean="0"/>
+            </a:br>
+            <a:r>
+              <a:rPr lang="en-US" sz="2400" dirty="0" smtClean="0"/>
+              <a:t>Accept: application/xml returns XML</a:t>
+            </a:r>
+            <a:br>
+              <a:rPr lang="en-US" sz="2400" dirty="0" smtClean="0"/>
+            </a:br>
+            <a:r>
+              <a:rPr lang="en-US" sz="2400" dirty="0" smtClean="0"/>
+              <a:t>Accept: application/</a:t>
+            </a:r>
+            <a:r>
+              <a:rPr lang="en-US" sz="2400" dirty="0" err="1" smtClean="0"/>
+              <a:t>json</a:t>
+            </a:r>
+            <a:r>
+              <a:rPr lang="en-US" sz="2400" dirty="0" smtClean="0"/>
+              <a:t> returns JSON</a:t>
+            </a:r>
+            <a:br>
+              <a:rPr lang="en-US" sz="2400" dirty="0" smtClean="0"/>
+            </a:br>
+            <a:r>
+              <a:rPr lang="en-US" sz="2400" dirty="0" smtClean="0"/>
+              <a:t/>
+            </a:r>
+            <a:br>
+              <a:rPr lang="en-US" sz="2400" dirty="0" smtClean="0"/>
+            </a:br>
+            <a:r>
+              <a:rPr lang="en-US" sz="2400" dirty="0" smtClean="0"/>
+              <a:t>Depending on the Accept header value in the request, the server sends the response. This is called Content Negotiation. </a:t>
             </a:r>
             <a:endParaRPr lang="en-US" sz="1800" dirty="0" smtClean="0"/>
           </a:p>
@@ -6284,7 +6074,22 @@
           <a:p>
             <a:r>
               <a:rPr lang="en-US" sz="2400" b="1" dirty="0" smtClean="0"/>
-              <a:t>Content Negotiation in Web API</a:t>
+              <a:t/>
+            </a:r>
+            <a:br>
+              <a:rPr lang="en-US" sz="2400" b="1" dirty="0" smtClean="0"/>
+            </a:br>
+            <a:r>
+              <a:rPr lang="en-US" sz="2400" b="1" dirty="0" err="1" smtClean="0"/>
+              <a:t>MediaTypeFormatters</a:t>
+            </a:r>
+            <a:r>
+              <a:rPr lang="en-US" sz="2400" b="1" dirty="0" smtClean="0"/>
+              <a:t> in </a:t>
+            </a:r>
+            <a:r>
+              <a:rPr lang="en-US" sz="2400" b="1" dirty="0" err="1" smtClean="0"/>
+              <a:t>WebApi</a:t>
             </a:r>
             <a:endParaRPr lang="en-US" sz="2400" dirty="0"/>
           </a:p>
@@ -6303,65 +6108,133 @@
         <p:spPr/>
         <p:txBody>
           <a:bodyPr>
-            <a:normAutofit/>
+            <a:normAutofit lnSpcReduction="10000"/>
           </a:bodyPr>
           <a:lstStyle/>
           <a:p>
             <a:r>
               <a:rPr lang="en-US" sz="2400" dirty="0" smtClean="0"/>
-              <a:t>One of the standards of the </a:t>
+              <a:t>From the ASP.NET Web API perspective, serialization is the process of translating a .NET Common Language Runtime (CLR) type into a format that can be transmitted over HTTP. The default format can be either JSON or XML</a:t>
+            </a:r>
+          </a:p>
+          <a:p>
+            <a:r>
+              <a:rPr lang="en-US" sz="2400" dirty="0" smtClean="0"/>
+              <a:t>A media type formatter that is an object of type </a:t>
             </a:r>
             <a:r>
               <a:rPr lang="en-US" sz="2400" dirty="0" err="1" smtClean="0"/>
-              <a:t>RESTful</a:t>
+              <a:t>MediaTypeFormatter</a:t>
             </a:r>
             <a:r>
               <a:rPr lang="en-US" sz="2400" dirty="0" smtClean="0"/>
-              <a:t> service is that, the client should have the ability to decide in which format they want the response - XML, JSON etc. A request that is sent to the server includes an Accept header. Using the Accept header the client can specify the format for the response. For example</a:t>
+              <a:t>, performs the serialization in the ASP.NET Web API pipeline. </a:t>
+            </a:r>
+          </a:p>
+          <a:p>
+            <a:r>
+              <a:rPr lang="en-US" sz="2400" dirty="0" err="1" smtClean="0">
+                <a:solidFill>
+                  <a:srgbClr val="0000FF"/>
+                </a:solidFill>
+              </a:rPr>
+              <a:t>MediaTypeFormatter</a:t>
+            </a:r>
+            <a:r>
+              <a:rPr lang="en-US" sz="2400" dirty="0" smtClean="0">
+                <a:solidFill>
+                  <a:srgbClr val="333333"/>
+                </a:solidFill>
+              </a:rPr>
+              <a:t> is an abstract class from which </a:t>
+            </a:r>
+            <a:r>
+              <a:rPr lang="en-US" sz="2400" dirty="0" err="1" smtClean="0">
+                <a:solidFill>
+                  <a:srgbClr val="0000FF"/>
+                </a:solidFill>
+              </a:rPr>
+              <a:t>JsonMediaTypeFormatter</a:t>
+            </a:r>
+            <a:r>
+              <a:rPr lang="en-US" sz="2400" dirty="0" smtClean="0">
+                <a:solidFill>
+                  <a:srgbClr val="0000FF"/>
+                </a:solidFill>
+              </a:rPr>
+              <a:t> </a:t>
+            </a:r>
+            <a:r>
+              <a:rPr lang="en-US" sz="2400" dirty="0" smtClean="0">
+                <a:solidFill>
+                  <a:srgbClr val="333333"/>
+                </a:solidFill>
+              </a:rPr>
+              <a:t>and </a:t>
+            </a:r>
+            <a:r>
+              <a:rPr lang="en-US" sz="2400" dirty="0" err="1" smtClean="0">
+                <a:solidFill>
+                  <a:srgbClr val="0000FF"/>
+                </a:solidFill>
+              </a:rPr>
+              <a:t>XmlMediaTypeFormatter</a:t>
+            </a:r>
+            <a:r>
+              <a:rPr lang="en-US" sz="2400" dirty="0" smtClean="0">
+                <a:solidFill>
+                  <a:srgbClr val="0000FF"/>
+                </a:solidFill>
+              </a:rPr>
+              <a:t> </a:t>
+            </a:r>
+            <a:r>
+              <a:rPr lang="en-US" sz="2400" dirty="0" smtClean="0">
+                <a:solidFill>
+                  <a:srgbClr val="333333"/>
+                </a:solidFill>
+              </a:rPr>
+              <a:t>classes inherit from. </a:t>
+            </a:r>
+            <a:r>
+              <a:rPr lang="en-US" sz="2400" dirty="0" err="1" smtClean="0">
+                <a:solidFill>
+                  <a:srgbClr val="333333"/>
+                </a:solidFill>
+              </a:rPr>
+              <a:t>JsonMediaTypeFormatter</a:t>
+            </a:r>
+            <a:r>
+              <a:rPr lang="en-US" sz="2400" dirty="0" smtClean="0">
+                <a:solidFill>
+                  <a:srgbClr val="333333"/>
+                </a:solidFill>
+              </a:rPr>
+              <a:t> handles JSON and </a:t>
+            </a:r>
+            <a:r>
+              <a:rPr lang="en-US" sz="2400" dirty="0" err="1" smtClean="0">
+                <a:solidFill>
+                  <a:srgbClr val="333333"/>
+                </a:solidFill>
+              </a:rPr>
+              <a:t>XmlMediaTypeFormatter</a:t>
+            </a:r>
+            <a:r>
+              <a:rPr lang="en-US" sz="2400" dirty="0" smtClean="0">
+                <a:solidFill>
+                  <a:srgbClr val="333333"/>
+                </a:solidFill>
+              </a:rPr>
+              <a:t> handles XML.</a:t>
+            </a:r>
+            <a:r>
+              <a:rPr lang="en-US" sz="1800" dirty="0" smtClean="0"/>
+              <a:t/>
             </a:r>
             <a:br>
-              <a:rPr lang="en-US" sz="2400" dirty="0" smtClean="0"/>
+              <a:rPr lang="en-US" sz="1800" dirty="0" smtClean="0"/>
             </a:br>
-            <a:r>
-              <a:rPr lang="en-US" sz="2400" dirty="0" smtClean="0"/>
-              <a:t/>
-            </a:r>
-            <a:br>
-              <a:rPr lang="en-US" sz="2400" dirty="0" smtClean="0"/>
-            </a:br>
-            <a:r>
-              <a:rPr lang="en-US" sz="2400" dirty="0" smtClean="0"/>
-              <a:t>Accept: application/xml returns XML</a:t>
-            </a:r>
-            <a:br>
-              <a:rPr lang="en-US" sz="2400" dirty="0" smtClean="0"/>
-            </a:br>
-            <a:r>
-              <a:rPr lang="en-US" sz="2400" dirty="0" smtClean="0"/>
-              <a:t>Accept: application/</a:t>
-            </a:r>
-            <a:r>
-              <a:rPr lang="en-US" sz="2400" dirty="0" err="1" smtClean="0"/>
-              <a:t>json</a:t>
-            </a:r>
-            <a:r>
-              <a:rPr lang="en-US" sz="2400" dirty="0" smtClean="0"/>
-              <a:t> returns JSON</a:t>
-            </a:r>
-            <a:br>
-              <a:rPr lang="en-US" sz="2400" dirty="0" smtClean="0"/>
-            </a:br>
-            <a:r>
-              <a:rPr lang="en-US" sz="2400" dirty="0" smtClean="0"/>
-              <a:t/>
-            </a:r>
-            <a:br>
-              <a:rPr lang="en-US" sz="2400" dirty="0" smtClean="0"/>
-            </a:br>
-            <a:r>
-              <a:rPr lang="en-US" sz="2400" dirty="0" smtClean="0"/>
-              <a:t>Depending on the Accept header value in the request, the server sends the response. This is called Content Negotiation. </a:t>
-            </a:r>
             <a:endParaRPr lang="en-US" sz="1800" dirty="0" smtClean="0"/>
           </a:p>
         </p:txBody>
@@ -6428,16 +6301,12 @@
               <a:rPr lang="en-US" sz="2400" b="1" dirty="0" smtClean="0"/>
             </a:br>
             <a:r>
-              <a:rPr lang="en-US" sz="2400" b="1" dirty="0" err="1" smtClean="0"/>
-              <a:t>MediaTypeFormatters</a:t>
-            </a:r>
-            <a:r>
-              <a:rPr lang="en-US" sz="2400" b="1" dirty="0" smtClean="0"/>
-              <a:t> in </a:t>
-            </a:r>
-            <a:r>
-              <a:rPr lang="en-US" sz="2400" b="1" dirty="0" err="1" smtClean="0"/>
-              <a:t>WebApi</a:t>
+              <a:rPr lang="en-IN" sz="2400" dirty="0"/>
+              <a:t>Action Method Return </a:t>
+            </a:r>
+            <a:r>
+              <a:rPr lang="en-IN" sz="2400" dirty="0" smtClean="0"/>
+              <a:t>Type</a:t>
             </a:r>
             <a:endParaRPr lang="en-US" sz="2400" dirty="0"/>
           </a:p>
@@ -6456,133 +6325,84 @@
         <p:spPr/>
         <p:txBody>
           <a:bodyPr>
-            <a:normAutofit lnSpcReduction="10000"/>
+            <a:normAutofit/>
           </a:bodyPr>
           <a:lstStyle/>
           <a:p>
             <a:r>
-              <a:rPr lang="en-US" sz="2400" dirty="0" smtClean="0"/>
-              <a:t>From the ASP.NET Web API perspective, serialization is the process of translating a .NET Common Language Runtime (CLR) type into a format that can be transmitted over HTTP. The default format can be either JSON or XML</a:t>
-            </a:r>
-          </a:p>
-          <a:p>
-            <a:r>
-              <a:rPr lang="en-US" sz="2400" dirty="0" smtClean="0"/>
-              <a:t>A media type formatter that is an object of type </a:t>
-            </a:r>
-            <a:r>
-              <a:rPr lang="en-US" sz="2400" dirty="0" err="1" smtClean="0"/>
-              <a:t>MediaTypeFormatter</a:t>
-            </a:r>
-            <a:r>
-              <a:rPr lang="en-US" sz="2400" dirty="0" smtClean="0"/>
-              <a:t>, performs the serialization in the ASP.NET Web API pipeline. </a:t>
-            </a:r>
-          </a:p>
-          <a:p>
-            <a:r>
-              <a:rPr lang="en-US" sz="2400" dirty="0" err="1" smtClean="0">
-                <a:solidFill>
-                  <a:srgbClr val="0000FF"/>
-                </a:solidFill>
-              </a:rPr>
-              <a:t>MediaTypeFormatter</a:t>
-            </a:r>
-            <a:r>
-              <a:rPr lang="en-US" sz="2400" dirty="0" smtClean="0">
-                <a:solidFill>
-                  <a:srgbClr val="333333"/>
-                </a:solidFill>
-              </a:rPr>
-              <a:t> is an abstract class from which </a:t>
-            </a:r>
-            <a:r>
-              <a:rPr lang="en-US" sz="2400" dirty="0" err="1" smtClean="0">
-                <a:solidFill>
-                  <a:srgbClr val="0000FF"/>
-                </a:solidFill>
-              </a:rPr>
-              <a:t>JsonMediaTypeFormatter</a:t>
-            </a:r>
-            <a:r>
-              <a:rPr lang="en-US" sz="2400" dirty="0" smtClean="0">
-                <a:solidFill>
-                  <a:srgbClr val="0000FF"/>
-                </a:solidFill>
-              </a:rPr>
-              <a:t> </a:t>
-            </a:r>
-            <a:r>
-              <a:rPr lang="en-US" sz="2400" dirty="0" smtClean="0">
-                <a:solidFill>
-                  <a:srgbClr val="333333"/>
-                </a:solidFill>
-              </a:rPr>
-              <a:t>and </a:t>
-            </a:r>
-            <a:r>
-              <a:rPr lang="en-US" sz="2400" dirty="0" err="1" smtClean="0">
-                <a:solidFill>
-                  <a:srgbClr val="0000FF"/>
-                </a:solidFill>
-              </a:rPr>
-              <a:t>XmlMediaTypeFormatter</a:t>
-            </a:r>
-            <a:r>
-              <a:rPr lang="en-US" sz="2400" dirty="0" smtClean="0">
-                <a:solidFill>
-                  <a:srgbClr val="0000FF"/>
-                </a:solidFill>
-              </a:rPr>
-              <a:t> </a:t>
-            </a:r>
-            <a:r>
-              <a:rPr lang="en-US" sz="2400" dirty="0" smtClean="0">
-                <a:solidFill>
-                  <a:srgbClr val="333333"/>
-                </a:solidFill>
-              </a:rPr>
-              <a:t>classes inherit from. </a:t>
-            </a:r>
-            <a:r>
-              <a:rPr lang="en-US" sz="2400" dirty="0" err="1" smtClean="0">
-                <a:solidFill>
-                  <a:srgbClr val="333333"/>
-                </a:solidFill>
-              </a:rPr>
-              <a:t>JsonMediaTypeFormatter</a:t>
-            </a:r>
-            <a:r>
-              <a:rPr lang="en-US" sz="2400" dirty="0" smtClean="0">
-                <a:solidFill>
-                  <a:srgbClr val="333333"/>
-                </a:solidFill>
-              </a:rPr>
-              <a:t> handles JSON and </a:t>
-            </a:r>
-            <a:r>
-              <a:rPr lang="en-US" sz="2400" dirty="0" err="1" smtClean="0">
-                <a:solidFill>
-                  <a:srgbClr val="333333"/>
-                </a:solidFill>
-              </a:rPr>
-              <a:t>XmlMediaTypeFormatter</a:t>
-            </a:r>
-            <a:r>
-              <a:rPr lang="en-US" sz="2400" dirty="0" smtClean="0">
-                <a:solidFill>
-                  <a:srgbClr val="333333"/>
-                </a:solidFill>
-              </a:rPr>
-              <a:t> handles XML.</a:t>
-            </a:r>
-            <a:r>
-              <a:rPr lang="en-US" sz="1800" dirty="0" smtClean="0"/>
-              <a:t/>
-            </a:r>
-            <a:br>
-              <a:rPr lang="en-US" sz="1800" dirty="0" smtClean="0"/>
-            </a:br>
+              <a:rPr lang="en-IN" sz="1800" dirty="0"/>
+              <a:t>The Web API action method can have following return types.</a:t>
+            </a:r>
+          </a:p>
+          <a:p>
+            <a:r>
+              <a:rPr lang="en-IN" sz="1800" dirty="0"/>
+              <a:t>Void</a:t>
+            </a:r>
+          </a:p>
+          <a:p>
+            <a:r>
+              <a:rPr lang="en-IN" sz="1800" dirty="0"/>
+              <a:t>Primitive type or Complex type</a:t>
+            </a:r>
+          </a:p>
+          <a:p>
+            <a:r>
+              <a:rPr lang="en-IN" sz="1800" dirty="0" err="1"/>
+              <a:t>HttpResponseMessage</a:t>
+            </a:r>
+            <a:endParaRPr lang="en-IN" sz="1800" dirty="0"/>
+          </a:p>
+          <a:p>
+            <a:r>
+              <a:rPr lang="en-IN" sz="1800" dirty="0" err="1"/>
+              <a:t>IHttpActionResult</a:t>
+            </a:r>
+            <a:endParaRPr lang="en-IN" sz="1800" dirty="0"/>
+          </a:p>
+          <a:p>
+            <a:r>
+              <a:rPr lang="en-IN" sz="1800" dirty="0"/>
+              <a:t>Void:</a:t>
+            </a:r>
+          </a:p>
+          <a:p>
+            <a:r>
+              <a:rPr lang="en-IN" sz="1800" dirty="0" err="1"/>
+              <a:t>HttpResponseMessage</a:t>
+            </a:r>
+            <a:r>
+              <a:rPr lang="en-IN" sz="1800" dirty="0"/>
+              <a:t>:</a:t>
+            </a:r>
+          </a:p>
+          <a:p>
+            <a:r>
+              <a:rPr lang="en-IN" sz="1800" dirty="0"/>
+              <a:t>Web API controller always returns an object of </a:t>
+            </a:r>
+            <a:r>
+              <a:rPr lang="en-IN" sz="1800" dirty="0" err="1"/>
+              <a:t>HttpResponseMessage</a:t>
+            </a:r>
+            <a:r>
+              <a:rPr lang="en-IN" sz="1800" dirty="0"/>
+              <a:t> to the hosting infrastructure. The following figure illustrates the overall Web API request/response pipeline.</a:t>
+            </a:r>
+          </a:p>
+          <a:p>
+            <a:r>
+              <a:rPr lang="en-IN" sz="1800" dirty="0"/>
+              <a:t>The advantage of sending </a:t>
+            </a:r>
+            <a:r>
+              <a:rPr lang="en-IN" sz="1800" dirty="0" err="1"/>
+              <a:t>HttpResponseMessage</a:t>
+            </a:r>
+            <a:r>
+              <a:rPr lang="en-IN" sz="1800" dirty="0"/>
+              <a:t> from an action method is that you can configure a response your way. You can set the status code, content or error message (if any) as per your requirement.</a:t>
+            </a:r>
             <a:endParaRPr lang="en-US" sz="1800" dirty="0" smtClean="0"/>
           </a:p>
         </p:txBody>
@@ -6590,7 +6410,7 @@
     </p:spTree>
     <p:extLst>
       <p:ext uri="{BB962C8B-B14F-4D97-AF65-F5344CB8AC3E}">
-        <p14:creationId xmlns:p14="http://schemas.microsoft.com/office/powerpoint/2010/main" val="1460936701"/>
+        <p14:creationId xmlns:p14="http://schemas.microsoft.com/office/powerpoint/2010/main" val="3281368544"/>
       </p:ext>
     </p:extLst>
   </p:cSld>
@@ -6678,174 +6498,6 @@
           <a:lstStyle/>
           <a:p>
             <a:r>
-              <a:rPr lang="en-IN" sz="1800" dirty="0"/>
-              <a:t>The Web API action method can have following return types.</a:t>
-            </a:r>
-          </a:p>
-          <a:p>
-            <a:r>
-              <a:rPr lang="en-IN" sz="1800" dirty="0"/>
-              <a:t>Void</a:t>
-            </a:r>
-          </a:p>
-          <a:p>
-            <a:r>
-              <a:rPr lang="en-IN" sz="1800" dirty="0"/>
-              <a:t>Primitive type or Complex type</a:t>
-            </a:r>
-          </a:p>
-          <a:p>
-            <a:r>
-              <a:rPr lang="en-IN" sz="1800" dirty="0" err="1"/>
-              <a:t>HttpResponseMessage</a:t>
-            </a:r>
-            <a:endParaRPr lang="en-IN" sz="1800" dirty="0"/>
-          </a:p>
-          <a:p>
-            <a:r>
-              <a:rPr lang="en-IN" sz="1800" dirty="0" err="1"/>
-              <a:t>IHttpActionResult</a:t>
-            </a:r>
-            <a:endParaRPr lang="en-IN" sz="1800" dirty="0"/>
-          </a:p>
-          <a:p>
-            <a:r>
-              <a:rPr lang="en-IN" sz="1800" dirty="0"/>
-              <a:t>Void:</a:t>
-            </a:r>
-          </a:p>
-          <a:p>
-            <a:r>
-              <a:rPr lang="en-IN" sz="1800" dirty="0" err="1"/>
-              <a:t>HttpResponseMessage</a:t>
-            </a:r>
-            <a:r>
-              <a:rPr lang="en-IN" sz="1800" dirty="0"/>
-              <a:t>:</a:t>
-            </a:r>
-          </a:p>
-          <a:p>
-            <a:r>
-              <a:rPr lang="en-IN" sz="1800" dirty="0"/>
-              <a:t>Web API controller always returns an object of </a:t>
-            </a:r>
-            <a:r>
-              <a:rPr lang="en-IN" sz="1800" dirty="0" err="1"/>
-              <a:t>HttpResponseMessage</a:t>
-            </a:r>
-            <a:r>
-              <a:rPr lang="en-IN" sz="1800" dirty="0"/>
-              <a:t> to the hosting infrastructure. The following figure illustrates the overall Web API request/response pipeline.</a:t>
-            </a:r>
-          </a:p>
-          <a:p>
-            <a:r>
-              <a:rPr lang="en-IN" sz="1800" dirty="0"/>
-              <a:t>The advantage of sending </a:t>
-            </a:r>
-            <a:r>
-              <a:rPr lang="en-IN" sz="1800" dirty="0" err="1"/>
-              <a:t>HttpResponseMessage</a:t>
-            </a:r>
-            <a:r>
-              <a:rPr lang="en-IN" sz="1800" dirty="0"/>
-              <a:t> from an action method is that you can configure a response your way. You can set the status code, content or error message (if any) as per your requirement.</a:t>
-            </a:r>
-            <a:endParaRPr lang="en-US" sz="1800" dirty="0" smtClean="0"/>
-          </a:p>
-        </p:txBody>
-      </p:sp>
-    </p:spTree>
-    <p:extLst>
-      <p:ext uri="{BB962C8B-B14F-4D97-AF65-F5344CB8AC3E}">
-        <p14:creationId xmlns:p14="http://schemas.microsoft.com/office/powerpoint/2010/main" val="3281368544"/>
-      </p:ext>
-    </p:extLst>
-  </p:cSld>
-  <p:clrMapOvr>
-    <a:masterClrMapping/>
-  </p:clrMapOvr>
-  <p:timing>
-    <p:tnLst>
-      <p:par>
-        <p:cTn id="1" dur="indefinite" restart="never" nodeType="tmRoot"/>
-      </p:par>
-    </p:tnLst>
-  </p:timing>
-</p:sld>
-</file>
-
-<file path=ppt/slides/slide18.xml><?xml version="1.0" encoding="utf-8"?>
-<p:sld xmlns:a="http://schemas.openxmlformats.org/drawingml/2006/main" xmlns:r="http://schemas.openxmlformats.org/officeDocument/2006/relationships" xmlns:p="http://schemas.openxmlformats.org/presentationml/2006/main">
-  <p:cSld>
-    <p:spTree>
-      <p:nvGrpSpPr>
-        <p:cNvPr id="1" name=""/>
-        <p:cNvGrpSpPr/>
-        <p:nvPr/>
-      </p:nvGrpSpPr>
-      <p:grpSpPr>
-        <a:xfrm>
-          <a:off x="0" y="0"/>
-          <a:ext cx="0" cy="0"/>
-          <a:chOff x="0" y="0"/>
-          <a:chExt cx="0" cy="0"/>
-        </a:xfrm>
-      </p:grpSpPr>
-      <p:sp>
-        <p:nvSpPr>
-          <p:cNvPr id="4" name="Title 3"/>
-          <p:cNvSpPr>
-            <a:spLocks noGrp="1"/>
-          </p:cNvSpPr>
-          <p:nvPr>
-            <p:ph type="title"/>
-          </p:nvPr>
-        </p:nvSpPr>
-        <p:spPr/>
-        <p:txBody>
-          <a:bodyPr>
-            <a:normAutofit/>
-          </a:bodyPr>
-          <a:lstStyle/>
-          <a:p>
-            <a:r>
-              <a:rPr lang="en-US" sz="2400" b="1" dirty="0" smtClean="0"/>
-              <a:t/>
-            </a:r>
-            <a:br>
-              <a:rPr lang="en-US" sz="2400" b="1" dirty="0" smtClean="0"/>
-            </a:br>
-            <a:r>
-              <a:rPr lang="en-IN" sz="2400" dirty="0"/>
-              <a:t>Action Method Return </a:t>
-            </a:r>
-            <a:r>
-              <a:rPr lang="en-IN" sz="2400" dirty="0" smtClean="0"/>
-              <a:t>Type</a:t>
-            </a:r>
-            <a:endParaRPr lang="en-US" sz="2400" dirty="0"/>
-          </a:p>
-        </p:txBody>
-      </p:sp>
-      <p:sp>
-        <p:nvSpPr>
-          <p:cNvPr id="5" name="Content Placeholder 4"/>
-          <p:cNvSpPr>
-            <a:spLocks noGrp="1"/>
-          </p:cNvSpPr>
-          <p:nvPr>
-            <p:ph sz="quarter" idx="1"/>
-          </p:nvPr>
-        </p:nvSpPr>
-        <p:spPr/>
-        <p:txBody>
-          <a:bodyPr>
-            <a:normAutofit/>
-          </a:bodyPr>
-          <a:lstStyle/>
-          <a:p>
-            <a:r>
               <a:rPr lang="en-IN" sz="1800" dirty="0" err="1"/>
               <a:t>IHttpActionResult</a:t>
             </a:r>
@@ -7036,7 +6688,7 @@
 </p:sld>
 </file>
 
-<file path=ppt/slides/slide19.xml><?xml version="1.0" encoding="utf-8"?>
+<file path=ppt/slides/slide18.xml><?xml version="1.0" encoding="utf-8"?>
 <p:sld xmlns:a="http://schemas.openxmlformats.org/drawingml/2006/main" xmlns:r="http://schemas.openxmlformats.org/officeDocument/2006/relationships" xmlns:p="http://schemas.openxmlformats.org/presentationml/2006/main">
   <p:cSld>
     <p:spTree>
@@ -8900,6 +8552,135 @@
 </p:sld>
 </file>
 
+<file path=ppt/slides/slide19.xml><?xml version="1.0" encoding="utf-8"?>
+<p:sld xmlns:a="http://schemas.openxmlformats.org/drawingml/2006/main" xmlns:r="http://schemas.openxmlformats.org/officeDocument/2006/relationships" xmlns:p="http://schemas.openxmlformats.org/presentationml/2006/main">
+  <p:cSld>
+    <p:spTree>
+      <p:nvGrpSpPr>
+        <p:cNvPr id="1" name=""/>
+        <p:cNvGrpSpPr/>
+        <p:nvPr/>
+      </p:nvGrpSpPr>
+      <p:grpSpPr>
+        <a:xfrm>
+          <a:off x="0" y="0"/>
+          <a:ext cx="0" cy="0"/>
+          <a:chOff x="0" y="0"/>
+          <a:chExt cx="0" cy="0"/>
+        </a:xfrm>
+      </p:grpSpPr>
+      <p:sp>
+        <p:nvSpPr>
+          <p:cNvPr id="4" name="Title 3"/>
+          <p:cNvSpPr>
+            <a:spLocks noGrp="1"/>
+          </p:cNvSpPr>
+          <p:nvPr>
+            <p:ph type="title"/>
+          </p:nvPr>
+        </p:nvSpPr>
+        <p:spPr/>
+        <p:txBody>
+          <a:bodyPr>
+            <a:normAutofit/>
+          </a:bodyPr>
+          <a:lstStyle/>
+          <a:p>
+            <a:r>
+              <a:rPr lang="en-US" sz="2400" dirty="0" smtClean="0"/>
+              <a:t>Web API Routing</a:t>
+            </a:r>
+            <a:endParaRPr lang="en-US" sz="2400" dirty="0"/>
+          </a:p>
+        </p:txBody>
+      </p:sp>
+      <p:sp>
+        <p:nvSpPr>
+          <p:cNvPr id="5" name="Content Placeholder 4"/>
+          <p:cNvSpPr>
+            <a:spLocks noGrp="1"/>
+          </p:cNvSpPr>
+          <p:nvPr>
+            <p:ph sz="quarter" idx="1"/>
+          </p:nvPr>
+        </p:nvSpPr>
+        <p:spPr/>
+        <p:txBody>
+          <a:bodyPr>
+            <a:normAutofit/>
+          </a:bodyPr>
+          <a:lstStyle/>
+          <a:p>
+            <a:r>
+              <a:rPr lang="en-US" sz="1600" dirty="0" smtClean="0"/>
+              <a:t>Web API routing is similar to </a:t>
+            </a:r>
+            <a:r>
+              <a:rPr lang="en-US" sz="1600" dirty="0" smtClean="0">
+                <a:hlinkClick r:id="rId2"/>
+              </a:rPr>
+              <a:t>ASP.NET MVC Routing</a:t>
+            </a:r>
+            <a:r>
+              <a:rPr lang="en-US" sz="1600" dirty="0" smtClean="0"/>
+              <a:t>. It routes an incoming HTTP request to a particular action method on a Web API controller.</a:t>
+            </a:r>
+          </a:p>
+          <a:p>
+            <a:r>
+              <a:rPr lang="en-US" sz="1800" dirty="0" smtClean="0"/>
+              <a:t>Web API supports two types of routing:</a:t>
+            </a:r>
+          </a:p>
+          <a:p>
+            <a:r>
+              <a:rPr lang="en-US" sz="1800" dirty="0" smtClean="0"/>
+              <a:t>Convention-based Routing</a:t>
+            </a:r>
+          </a:p>
+          <a:p>
+            <a:r>
+              <a:rPr lang="en-US" sz="1800" dirty="0" smtClean="0"/>
+              <a:t>Attribute Routing</a:t>
+            </a:r>
+          </a:p>
+          <a:p>
+            <a:r>
+              <a:rPr lang="en-US" sz="1800" dirty="0" smtClean="0"/>
+              <a:t>Convention-based Routing</a:t>
+            </a:r>
+          </a:p>
+          <a:p>
+            <a:r>
+              <a:rPr lang="en-US" sz="1800" dirty="0" smtClean="0"/>
+              <a:t>In the convention-based routing, Web API uses route templates to determine which controller and action method to execute. At least one route template must be added into route table in order to handle various HTTP requests.</a:t>
+            </a:r>
+          </a:p>
+          <a:p>
+            <a:endParaRPr lang="en-US" sz="1800" dirty="0" smtClean="0"/>
+          </a:p>
+        </p:txBody>
+      </p:sp>
+    </p:spTree>
+    <p:extLst>
+      <p:ext uri="{BB962C8B-B14F-4D97-AF65-F5344CB8AC3E}">
+        <p14:creationId xmlns:p14="http://schemas.microsoft.com/office/powerpoint/2010/main" val="1460936701"/>
+      </p:ext>
+    </p:extLst>
+  </p:cSld>
+  <p:clrMapOvr>
+    <a:masterClrMapping/>
+  </p:clrMapOvr>
+  <p:timing>
+    <p:tnLst>
+      <p:par>
+        <p:cTn id="1" dur="indefinite" restart="never" nodeType="tmRoot"/>
+      </p:par>
+    </p:tnLst>
+  </p:timing>
+</p:sld>
+</file>
+
 <file path=ppt/slides/slide2.xml><?xml version="1.0" encoding="utf-8"?>
 <p:sld xmlns:a="http://schemas.openxmlformats.org/drawingml/2006/main" xmlns:r="http://schemas.openxmlformats.org/officeDocument/2006/relationships" xmlns:p="http://schemas.openxmlformats.org/presentationml/2006/main">
   <p:cSld>
@@ -9026,135 +8807,6 @@
 </file>
 
 <file path=ppt/slides/slide20.xml><?xml version="1.0" encoding="utf-8"?>
-<p:sld xmlns:a="http://schemas.openxmlformats.org/drawingml/2006/main" xmlns:r="http://schemas.openxmlformats.org/officeDocument/2006/relationships" xmlns:p="http://schemas.openxmlformats.org/presentationml/2006/main">
-  <p:cSld>
-    <p:spTree>
-      <p:nvGrpSpPr>
-        <p:cNvPr id="1" name=""/>
-        <p:cNvGrpSpPr/>
-        <p:nvPr/>
-      </p:nvGrpSpPr>
-      <p:grpSpPr>
-        <a:xfrm>
-          <a:off x="0" y="0"/>
-          <a:ext cx="0" cy="0"/>
-          <a:chOff x="0" y="0"/>
-          <a:chExt cx="0" cy="0"/>
-        </a:xfrm>
-      </p:grpSpPr>
-      <p:sp>
-        <p:nvSpPr>
-          <p:cNvPr id="4" name="Title 3"/>
-          <p:cNvSpPr>
-            <a:spLocks noGrp="1"/>
-          </p:cNvSpPr>
-          <p:nvPr>
-            <p:ph type="title"/>
-          </p:nvPr>
-        </p:nvSpPr>
-        <p:spPr/>
-        <p:txBody>
-          <a:bodyPr>
-            <a:normAutofit/>
-          </a:bodyPr>
-          <a:lstStyle/>
-          <a:p>
-            <a:r>
-              <a:rPr lang="en-US" sz="2400" dirty="0" smtClean="0"/>
-              <a:t>Web API Routing</a:t>
-            </a:r>
-            <a:endParaRPr lang="en-US" sz="2400" dirty="0"/>
-          </a:p>
-        </p:txBody>
-      </p:sp>
-      <p:sp>
-        <p:nvSpPr>
-          <p:cNvPr id="5" name="Content Placeholder 4"/>
-          <p:cNvSpPr>
-            <a:spLocks noGrp="1"/>
-          </p:cNvSpPr>
-          <p:nvPr>
-            <p:ph sz="quarter" idx="1"/>
-          </p:nvPr>
-        </p:nvSpPr>
-        <p:spPr/>
-        <p:txBody>
-          <a:bodyPr>
-            <a:normAutofit/>
-          </a:bodyPr>
-          <a:lstStyle/>
-          <a:p>
-            <a:r>
-              <a:rPr lang="en-US" sz="1600" dirty="0" smtClean="0"/>
-              <a:t>Web API routing is similar to </a:t>
-            </a:r>
-            <a:r>
-              <a:rPr lang="en-US" sz="1600" dirty="0" smtClean="0">
-                <a:hlinkClick r:id="rId2"/>
-              </a:rPr>
-              <a:t>ASP.NET MVC Routing</a:t>
-            </a:r>
-            <a:r>
-              <a:rPr lang="en-US" sz="1600" dirty="0" smtClean="0"/>
-              <a:t>. It routes an incoming HTTP request to a particular action method on a Web API controller.</a:t>
-            </a:r>
-          </a:p>
-          <a:p>
-            <a:r>
-              <a:rPr lang="en-US" sz="1800" dirty="0" smtClean="0"/>
-              <a:t>Web API supports two types of routing:</a:t>
-            </a:r>
-          </a:p>
-          <a:p>
-            <a:r>
-              <a:rPr lang="en-US" sz="1800" dirty="0" smtClean="0"/>
-              <a:t>Convention-based Routing</a:t>
-            </a:r>
-          </a:p>
-          <a:p>
-            <a:r>
-              <a:rPr lang="en-US" sz="1800" dirty="0" smtClean="0"/>
-              <a:t>Attribute Routing</a:t>
-            </a:r>
-          </a:p>
-          <a:p>
-            <a:r>
-              <a:rPr lang="en-US" sz="1800" dirty="0" smtClean="0"/>
-              <a:t>Convention-based Routing</a:t>
-            </a:r>
-          </a:p>
-          <a:p>
-            <a:r>
-              <a:rPr lang="en-US" sz="1800" dirty="0" smtClean="0"/>
-              <a:t>In the convention-based routing, Web API uses route templates to determine which controller and action method to execute. At least one route template must be added into route table in order to handle various HTTP requests.</a:t>
-            </a:r>
-          </a:p>
-          <a:p>
-            <a:endParaRPr lang="en-US" sz="1800" dirty="0" smtClean="0"/>
-          </a:p>
-        </p:txBody>
-      </p:sp>
-    </p:spTree>
-    <p:extLst>
-      <p:ext uri="{BB962C8B-B14F-4D97-AF65-F5344CB8AC3E}">
-        <p14:creationId xmlns:p14="http://schemas.microsoft.com/office/powerpoint/2010/main" val="1460936701"/>
-      </p:ext>
-    </p:extLst>
-  </p:cSld>
-  <p:clrMapOvr>
-    <a:masterClrMapping/>
-  </p:clrMapOvr>
-  <p:timing>
-    <p:tnLst>
-      <p:par>
-        <p:cTn id="1" dur="indefinite" restart="never" nodeType="tmRoot"/>
-      </p:par>
-    </p:tnLst>
-  </p:timing>
-</p:sld>
-</file>
-
-<file path=ppt/slides/slide21.xml><?xml version="1.0" encoding="utf-8"?>
 <p:sld xmlns:a="http://schemas.openxmlformats.org/drawingml/2006/main" xmlns:r="http://schemas.openxmlformats.org/officeDocument/2006/relationships" xmlns:p="http://schemas.openxmlformats.org/presentationml/2006/main">
   <p:cSld>
     <p:spTree>
@@ -9263,7 +8915,7 @@
 </p:sld>
 </file>
 
-<file path=ppt/slides/slide22.xml><?xml version="1.0" encoding="utf-8"?>
+<file path=ppt/slides/slide21.xml><?xml version="1.0" encoding="utf-8"?>
 <p:sld xmlns:a="http://schemas.openxmlformats.org/drawingml/2006/main" xmlns:r="http://schemas.openxmlformats.org/officeDocument/2006/relationships" xmlns:p="http://schemas.openxmlformats.org/presentationml/2006/main">
   <p:cSld>
     <p:spTree>
@@ -9552,7 +9204,7 @@
 </p:sld>
 </file>
 
-<file path=ppt/slides/slide23.xml><?xml version="1.0" encoding="utf-8"?>
+<file path=ppt/slides/slide22.xml><?xml version="1.0" encoding="utf-8"?>
 <p:sld xmlns:a="http://schemas.openxmlformats.org/drawingml/2006/main" xmlns:r="http://schemas.openxmlformats.org/officeDocument/2006/relationships" xmlns:p="http://schemas.openxmlformats.org/presentationml/2006/main">
   <p:cSld>
     <p:spTree>
@@ -9659,7 +9311,7 @@
 </p:sld>
 </file>
 
-<file path=ppt/slides/slide24.xml><?xml version="1.0" encoding="utf-8"?>
+<file path=ppt/slides/slide23.xml><?xml version="1.0" encoding="utf-8"?>
 <p:sld xmlns:a="http://schemas.openxmlformats.org/drawingml/2006/main" xmlns:r="http://schemas.openxmlformats.org/officeDocument/2006/relationships" xmlns:p="http://schemas.openxmlformats.org/presentationml/2006/main">
   <p:cSld>
     <p:spTree>
@@ -9747,7 +9399,7 @@
 </p:sld>
 </file>
 
-<file path=ppt/slides/slide25.xml><?xml version="1.0" encoding="utf-8"?>
+<file path=ppt/slides/slide24.xml><?xml version="1.0" encoding="utf-8"?>
 <p:sld xmlns:a="http://schemas.openxmlformats.org/drawingml/2006/main" xmlns:r="http://schemas.openxmlformats.org/officeDocument/2006/relationships" xmlns:p="http://schemas.openxmlformats.org/presentationml/2006/main">
   <p:cSld>
     <p:spTree>
@@ -9898,7 +9550,7 @@
 </p:sld>
 </file>
 
-<file path=ppt/slides/slide26.xml><?xml version="1.0" encoding="utf-8"?>
+<file path=ppt/slides/slide25.xml><?xml version="1.0" encoding="utf-8"?>
 <p:sld xmlns:a="http://schemas.openxmlformats.org/drawingml/2006/main" xmlns:r="http://schemas.openxmlformats.org/officeDocument/2006/relationships" xmlns:p="http://schemas.openxmlformats.org/presentationml/2006/main">
   <p:cSld>
     <p:spTree>
@@ -10071,6 +9723,212 @@
 </p:sld>
 </file>
 
+<file path=ppt/slides/slide26.xml><?xml version="1.0" encoding="utf-8"?>
+<p:sld xmlns:a="http://schemas.openxmlformats.org/drawingml/2006/main" xmlns:r="http://schemas.openxmlformats.org/officeDocument/2006/relationships" xmlns:p="http://schemas.openxmlformats.org/presentationml/2006/main">
+  <p:cSld>
+    <p:spTree>
+      <p:nvGrpSpPr>
+        <p:cNvPr id="1" name=""/>
+        <p:cNvGrpSpPr/>
+        <p:nvPr/>
+      </p:nvGrpSpPr>
+      <p:grpSpPr>
+        <a:xfrm>
+          <a:off x="0" y="0"/>
+          <a:ext cx="0" cy="0"/>
+          <a:chOff x="0" y="0"/>
+          <a:chExt cx="0" cy="0"/>
+        </a:xfrm>
+      </p:grpSpPr>
+      <p:sp>
+        <p:nvSpPr>
+          <p:cNvPr id="4" name="Title 3"/>
+          <p:cNvSpPr>
+            <a:spLocks noGrp="1"/>
+          </p:cNvSpPr>
+          <p:nvPr>
+            <p:ph type="title"/>
+          </p:nvPr>
+        </p:nvSpPr>
+        <p:spPr/>
+        <p:txBody>
+          <a:bodyPr>
+            <a:normAutofit/>
+          </a:bodyPr>
+          <a:lstStyle/>
+          <a:p>
+            <a:r>
+              <a:rPr lang="en-US" sz="2400" dirty="0" smtClean="0"/>
+              <a:t>Enabling Cross-Origin Requests (CORS)</a:t>
+            </a:r>
+            <a:endParaRPr lang="en-US" sz="2400" dirty="0"/>
+          </a:p>
+        </p:txBody>
+      </p:sp>
+      <p:sp>
+        <p:nvSpPr>
+          <p:cNvPr id="5" name="Content Placeholder 4"/>
+          <p:cNvSpPr>
+            <a:spLocks noGrp="1"/>
+          </p:cNvSpPr>
+          <p:nvPr>
+            <p:ph sz="quarter" idx="1"/>
+          </p:nvPr>
+        </p:nvSpPr>
+        <p:spPr/>
+        <p:txBody>
+          <a:bodyPr>
+            <a:normAutofit/>
+          </a:bodyPr>
+          <a:lstStyle/>
+          <a:p>
+            <a:r>
+              <a:rPr lang="en-US" sz="1800" dirty="0" smtClean="0"/>
+              <a:t>What is "same origin"?</a:t>
+            </a:r>
+          </a:p>
+          <a:p>
+            <a:r>
+              <a:rPr lang="en-US" sz="1800" dirty="0" smtClean="0"/>
+              <a:t>Two URLs have the same origin if they have identical schemes, hosts, and ports. </a:t>
+            </a:r>
+          </a:p>
+          <a:p>
+            <a:r>
+              <a:rPr lang="en-US" sz="1800" dirty="0" smtClean="0"/>
+              <a:t>These two URLs have the same origin:</a:t>
+            </a:r>
+          </a:p>
+          <a:p>
+            <a:r>
+              <a:rPr lang="en-US" sz="1800" dirty="0" smtClean="0">
+                <a:hlinkClick r:id="rId2"/>
+              </a:rPr>
+              <a:t>http://example.com/foo.html</a:t>
+            </a:r>
+            <a:endParaRPr lang="en-US" sz="1800" dirty="0" smtClean="0"/>
+          </a:p>
+          <a:p>
+            <a:r>
+              <a:rPr lang="en-US" sz="1800" dirty="0" smtClean="0">
+                <a:hlinkClick r:id="rId3"/>
+              </a:rPr>
+              <a:t>http://example.com/bar.html</a:t>
+            </a:r>
+            <a:endParaRPr lang="en-US" sz="1800" dirty="0" smtClean="0"/>
+          </a:p>
+          <a:p>
+            <a:r>
+              <a:rPr lang="en-US" sz="1800" dirty="0" smtClean="0"/>
+              <a:t>These URLs have different origins than the previous two:</a:t>
+            </a:r>
+          </a:p>
+          <a:p>
+            <a:r>
+              <a:rPr lang="en-US" sz="1800" dirty="0" smtClean="0">
+                <a:hlinkClick r:id="rId4"/>
+              </a:rPr>
+              <a:t>http://example.net</a:t>
+            </a:r>
+            <a:r>
+              <a:rPr lang="en-US" sz="1800" dirty="0" smtClean="0"/>
+              <a:t> - Different domain</a:t>
+            </a:r>
+          </a:p>
+          <a:p>
+            <a:r>
+              <a:rPr lang="en-US" sz="1800" dirty="0" smtClean="0">
+                <a:hlinkClick r:id="rId5"/>
+              </a:rPr>
+              <a:t>http://example.com:9000/foo.html</a:t>
+            </a:r>
+            <a:r>
+              <a:rPr lang="en-US" sz="1800" dirty="0" smtClean="0"/>
+              <a:t> - Different port</a:t>
+            </a:r>
+          </a:p>
+          <a:p>
+            <a:r>
+              <a:rPr lang="en-US" sz="1800" dirty="0" smtClean="0">
+                <a:hlinkClick r:id="rId6"/>
+              </a:rPr>
+              <a:t>https://example.com/foo.html</a:t>
+            </a:r>
+            <a:r>
+              <a:rPr lang="en-US" sz="1800" dirty="0" smtClean="0"/>
+              <a:t> - Different scheme</a:t>
+            </a:r>
+          </a:p>
+          <a:p>
+            <a:r>
+              <a:rPr lang="en-US" sz="1800" dirty="0" smtClean="0">
+                <a:hlinkClick r:id="rId7"/>
+              </a:rPr>
+              <a:t>http://www.example.com/foo.html</a:t>
+            </a:r>
+            <a:r>
+              <a:rPr lang="en-US" sz="1800" dirty="0" smtClean="0"/>
+              <a:t> - Different </a:t>
+            </a:r>
+            <a:r>
+              <a:rPr lang="en-US" sz="1800" dirty="0" err="1" smtClean="0"/>
+              <a:t>subdomain</a:t>
+            </a:r>
+            <a:endParaRPr lang="en-US" sz="1800" dirty="0" smtClean="0"/>
+          </a:p>
+          <a:p>
+            <a:endParaRPr lang="en-US" sz="1400" dirty="0">
+              <a:solidFill>
+                <a:srgbClr val="C00000"/>
+              </a:solidFill>
+            </a:endParaRPr>
+          </a:p>
+          <a:p>
+            <a:endParaRPr lang="en-US" sz="1400" dirty="0" smtClean="0">
+              <a:solidFill>
+                <a:srgbClr val="C00000"/>
+              </a:solidFill>
+            </a:endParaRPr>
+          </a:p>
+          <a:p>
+            <a:endParaRPr lang="en-US" sz="1400" dirty="0">
+              <a:solidFill>
+                <a:srgbClr val="C00000"/>
+              </a:solidFill>
+            </a:endParaRPr>
+          </a:p>
+          <a:p>
+            <a:endParaRPr lang="en-US" sz="1400" dirty="0" smtClean="0">
+              <a:solidFill>
+                <a:srgbClr val="C00000"/>
+              </a:solidFill>
+            </a:endParaRPr>
+          </a:p>
+          <a:p>
+            <a:endParaRPr lang="en-US" sz="1400" dirty="0" smtClean="0"/>
+          </a:p>
+        </p:txBody>
+      </p:sp>
+    </p:spTree>
+    <p:extLst>
+      <p:ext uri="{BB962C8B-B14F-4D97-AF65-F5344CB8AC3E}">
+        <p14:creationId xmlns:p14="http://schemas.microsoft.com/office/powerpoint/2010/main" val="115922655"/>
+      </p:ext>
+    </p:extLst>
+  </p:cSld>
+  <p:clrMapOvr>
+    <a:masterClrMapping/>
+  </p:clrMapOvr>
+  <p:timing>
+    <p:tnLst>
+      <p:par>
+        <p:cTn id="1" dur="indefinite" restart="never" nodeType="tmRoot"/>
+      </p:par>
+    </p:tnLst>
+  </p:timing>
+</p:sld>
+</file>
+
 <file path=ppt/slides/slide27.xml><?xml version="1.0" encoding="utf-8"?>
 <p:sld xmlns:a="http://schemas.openxmlformats.org/drawingml/2006/main" xmlns:r="http://schemas.openxmlformats.org/officeDocument/2006/relationships" xmlns:p="http://schemas.openxmlformats.org/presentationml/2006/main">
   <p:cSld>
@@ -10132,97 +9990,36 @@
           <a:p>
             <a:r>
               <a:rPr lang="en-US" sz="1800" dirty="0" smtClean="0"/>
-              <a:t>What is "same origin"?</a:t>
+              <a:t>Setting up CORS</a:t>
             </a:r>
           </a:p>
           <a:p>
             <a:r>
               <a:rPr lang="en-US" sz="1800" dirty="0" smtClean="0"/>
-              <a:t>Two URLs have the same origin if they have identical schemes, hosts, and ports. </a:t>
-            </a:r>
-          </a:p>
-          <a:p>
+              <a:t>To setup CORS for your application add  the </a:t>
+            </a:r>
+            <a:r>
+              <a:rPr lang="en-US" sz="1800" b="1" dirty="0" smtClean="0"/>
+              <a:t>Microsoft.AspNet.WebApi.Cors</a:t>
+            </a:r>
             <a:r>
               <a:rPr lang="en-US" sz="1800" dirty="0" smtClean="0"/>
-              <a:t>These two URLs have the same origin:</a:t>
-            </a:r>
-          </a:p>
-          <a:p>
-            <a:r>
-              <a:rPr lang="en-US" sz="1800" dirty="0" smtClean="0">
-                <a:hlinkClick r:id="rId2"/>
-              </a:rPr>
-              <a:t>http://example.com/foo.html</a:t>
-            </a:r>
-            <a:endParaRPr lang="en-US" sz="1800" dirty="0" smtClean="0"/>
-          </a:p>
-          <a:p>
-            <a:r>
-              <a:rPr lang="en-US" sz="1800" dirty="0" smtClean="0">
-                <a:hlinkClick r:id="rId3"/>
-              </a:rPr>
-              <a:t>http://example.com/bar.html</a:t>
-            </a:r>
-            <a:endParaRPr lang="en-US" sz="1800" dirty="0" smtClean="0"/>
-          </a:p>
-          <a:p>
-            <a:r>
-              <a:rPr lang="en-US" sz="1800" dirty="0" smtClean="0"/>
-              <a:t>These URLs have different origins than the previous two:</a:t>
-            </a:r>
-          </a:p>
-          <a:p>
-            <a:r>
-              <a:rPr lang="en-US" sz="1800" dirty="0" smtClean="0">
-                <a:hlinkClick r:id="rId4"/>
-              </a:rPr>
-              <a:t>http://example.net</a:t>
-            </a:r>
-            <a:r>
-              <a:rPr lang="en-US" sz="1800" dirty="0" smtClean="0"/>
-              <a:t> - Different domain</a:t>
-            </a:r>
-          </a:p>
-          <a:p>
-            <a:r>
-              <a:rPr lang="en-US" sz="1800" dirty="0" smtClean="0">
-                <a:hlinkClick r:id="rId5"/>
-              </a:rPr>
-              <a:t>http://example.com:9000/foo.html</a:t>
-            </a:r>
-            <a:r>
-              <a:rPr lang="en-US" sz="1800" dirty="0" smtClean="0"/>
-              <a:t> - Different port</a:t>
-            </a:r>
-          </a:p>
-          <a:p>
-            <a:r>
-              <a:rPr lang="en-US" sz="1800" dirty="0" smtClean="0">
-                <a:hlinkClick r:id="rId6"/>
-              </a:rPr>
-              <a:t>https://example.com/foo.html</a:t>
-            </a:r>
-            <a:r>
-              <a:rPr lang="en-US" sz="1800" dirty="0" smtClean="0"/>
-              <a:t> - Different scheme</a:t>
-            </a:r>
-          </a:p>
-          <a:p>
-            <a:r>
-              <a:rPr lang="en-US" sz="1800" dirty="0" smtClean="0">
-                <a:hlinkClick r:id="rId7"/>
-              </a:rPr>
-              <a:t>http://www.example.com/foo.html</a:t>
-            </a:r>
-            <a:r>
-              <a:rPr lang="en-US" sz="1800" dirty="0" smtClean="0"/>
-              <a:t> - Different </a:t>
-            </a:r>
-            <a:r>
-              <a:rPr lang="en-US" sz="1800" dirty="0" err="1" smtClean="0"/>
-              <a:t>subdomain</a:t>
-            </a:r>
-            <a:endParaRPr lang="en-US" sz="1800" dirty="0" smtClean="0"/>
+              <a:t> package to your project.</a:t>
+            </a:r>
+          </a:p>
+          <a:p>
+            <a:endParaRPr lang="en-US" sz="1400" dirty="0" smtClean="0">
+              <a:solidFill>
+                <a:srgbClr val="C00000"/>
+              </a:solidFill>
+            </a:endParaRPr>
+          </a:p>
+          <a:p>
+            <a:endParaRPr lang="en-US" sz="1400" dirty="0" smtClean="0">
+              <a:solidFill>
+                <a:srgbClr val="C00000"/>
+              </a:solidFill>
+            </a:endParaRPr>
           </a:p>
           <a:p>
             <a:endParaRPr lang="en-US" sz="1400" dirty="0">
@@ -10239,24 +10036,36 @@
             </a:endParaRPr>
           </a:p>
           <a:p>
-            <a:endParaRPr lang="en-US" sz="1400" dirty="0">
-              <a:solidFill>
-                <a:srgbClr val="C00000"/>
-              </a:solidFill>
-            </a:endParaRPr>
-          </a:p>
-          <a:p>
-            <a:endParaRPr lang="en-US" sz="1400" dirty="0" smtClean="0">
-              <a:solidFill>
-                <a:srgbClr val="C00000"/>
-              </a:solidFill>
-            </a:endParaRPr>
-          </a:p>
-          <a:p>
             <a:endParaRPr lang="en-US" sz="1400" dirty="0" smtClean="0"/>
           </a:p>
         </p:txBody>
       </p:sp>
+      <p:pic>
+        <p:nvPicPr>
+          <p:cNvPr id="2050" name="Picture 2" descr="C:\Users\Santu\Desktop\Capture.PNG"/>
+          <p:cNvPicPr>
+            <a:picLocks noChangeAspect="1" noChangeArrowheads="1"/>
+          </p:cNvPicPr>
+          <p:nvPr/>
+        </p:nvPicPr>
+        <p:blipFill>
+          <a:blip r:embed="rId2"/>
+          <a:srcRect/>
+          <a:stretch>
+            <a:fillRect/>
+          </a:stretch>
+        </p:blipFill>
+        <p:spPr bwMode="auto">
+          <a:xfrm>
+            <a:off x="457200" y="2690360"/>
+            <a:ext cx="7848600" cy="3700915"/>
+          </a:xfrm>
+          <a:prstGeom prst="rect">
+            <a:avLst/>
+          </a:prstGeom>
+          <a:noFill/>
+        </p:spPr>
+      </p:pic>
     </p:spTree>
     <p:extLst>
       <p:ext uri="{BB962C8B-B14F-4D97-AF65-F5344CB8AC3E}">
@@ -10338,22 +10147,211 @@
           <a:p>
             <a:r>
               <a:rPr lang="en-US" sz="1800" dirty="0" smtClean="0"/>
-              <a:t>Setting up CORS</a:t>
-            </a:r>
-          </a:p>
-          <a:p>
+              <a:t>add the </a:t>
+            </a:r>
+            <a:r>
+              <a:rPr lang="en-US" sz="1800" b="1" dirty="0" smtClean="0"/>
+              <a:t>[</a:t>
+            </a:r>
+            <a:r>
+              <a:rPr lang="en-US" sz="1800" b="1" dirty="0" err="1" smtClean="0"/>
+              <a:t>EnableCors</a:t>
+            </a:r>
+            <a:r>
+              <a:rPr lang="en-US" sz="1800" b="1" dirty="0" smtClean="0"/>
+              <a:t>]</a:t>
+            </a:r>
             <a:r>
               <a:rPr lang="en-US" sz="1800" dirty="0" smtClean="0"/>
-              <a:t>To setup CORS for your application add  the </a:t>
-            </a:r>
-            <a:r>
-              <a:rPr lang="en-US" sz="1800" b="1" dirty="0" smtClean="0"/>
-              <a:t>Microsoft.AspNet.WebApi.Cors</a:t>
+              <a:t> attribute to the </a:t>
+            </a:r>
+            <a:r>
+              <a:rPr lang="en-US" sz="1800" dirty="0" err="1" smtClean="0"/>
+              <a:t>TestController</a:t>
             </a:r>
             <a:r>
               <a:rPr lang="en-US" sz="1800" dirty="0" smtClean="0"/>
-              <a:t> package to your project.</a:t>
-            </a:r>
+              <a:t> class</a:t>
+            </a:r>
+          </a:p>
+          <a:p>
+            <a:pPr lvl="1">
+              <a:buNone/>
+            </a:pPr>
+            <a:r>
+              <a:rPr lang="en-US" sz="1800" dirty="0" smtClean="0"/>
+              <a:t>using </a:t>
+            </a:r>
+            <a:r>
+              <a:rPr lang="en-US" sz="1800" dirty="0" err="1" smtClean="0"/>
+              <a:t>System.Net.Http</a:t>
+            </a:r>
+            <a:r>
+              <a:rPr lang="en-US" sz="1800" dirty="0" smtClean="0"/>
+              <a:t>;</a:t>
+            </a:r>
+          </a:p>
+          <a:p>
+            <a:pPr lvl="1">
+              <a:buNone/>
+            </a:pPr>
+            <a:r>
+              <a:rPr lang="en-US" sz="1800" dirty="0" smtClean="0"/>
+              <a:t>using </a:t>
+            </a:r>
+            <a:r>
+              <a:rPr lang="en-US" sz="1800" dirty="0" err="1" smtClean="0"/>
+              <a:t>System.Web.Http</a:t>
+            </a:r>
+            <a:r>
+              <a:rPr lang="en-US" sz="1800" dirty="0" smtClean="0"/>
+              <a:t>;</a:t>
+            </a:r>
+          </a:p>
+          <a:p>
+            <a:pPr lvl="1">
+              <a:buNone/>
+            </a:pPr>
+            <a:r>
+              <a:rPr lang="en-US" sz="1800" dirty="0" smtClean="0">
+                <a:solidFill>
+                  <a:srgbClr val="FF0000"/>
+                </a:solidFill>
+              </a:rPr>
+              <a:t>using </a:t>
+            </a:r>
+            <a:r>
+              <a:rPr lang="en-US" sz="1800" dirty="0" err="1" smtClean="0">
+                <a:solidFill>
+                  <a:srgbClr val="FF0000"/>
+                </a:solidFill>
+              </a:rPr>
+              <a:t>System.Web.Http.Cors</a:t>
+            </a:r>
+            <a:r>
+              <a:rPr lang="en-US" sz="1800" dirty="0" smtClean="0">
+                <a:solidFill>
+                  <a:srgbClr val="FF0000"/>
+                </a:solidFill>
+              </a:rPr>
+              <a:t>;</a:t>
+            </a:r>
+            <a:endParaRPr lang="en-US" sz="1800" dirty="0" smtClean="0"/>
+          </a:p>
+          <a:p>
+            <a:pPr lvl="1">
+              <a:buNone/>
+            </a:pPr>
+            <a:r>
+              <a:rPr lang="en-US" sz="1800" dirty="0" smtClean="0"/>
+              <a:t>namespace </a:t>
+            </a:r>
+            <a:r>
+              <a:rPr lang="en-US" sz="1800" dirty="0" err="1" smtClean="0"/>
+              <a:t>WebService.Controllers</a:t>
+            </a:r>
+            <a:endParaRPr lang="en-US" sz="1800" dirty="0" smtClean="0"/>
+          </a:p>
+          <a:p>
+            <a:pPr lvl="1">
+              <a:buNone/>
+            </a:pPr>
+            <a:r>
+              <a:rPr lang="en-US" sz="1800" dirty="0" smtClean="0"/>
+              <a:t>{</a:t>
+            </a:r>
+          </a:p>
+          <a:p>
+            <a:pPr lvl="1">
+              <a:buNone/>
+            </a:pPr>
+            <a:r>
+              <a:rPr lang="en-US" sz="1800" dirty="0" smtClean="0">
+                <a:solidFill>
+                  <a:srgbClr val="FF0000"/>
+                </a:solidFill>
+              </a:rPr>
+              <a:t>    [</a:t>
+            </a:r>
+            <a:r>
+              <a:rPr lang="en-US" sz="1800" dirty="0" err="1" smtClean="0">
+                <a:solidFill>
+                  <a:srgbClr val="FF0000"/>
+                </a:solidFill>
+              </a:rPr>
+              <a:t>EnableCors</a:t>
+            </a:r>
+            <a:r>
+              <a:rPr lang="en-US" sz="1800" dirty="0" smtClean="0">
+                <a:solidFill>
+                  <a:srgbClr val="FF0000"/>
+                </a:solidFill>
+              </a:rPr>
+              <a:t>(origins: "*", headers: "*", methods: "*")]</a:t>
+            </a:r>
+          </a:p>
+          <a:p>
+            <a:pPr lvl="1">
+              <a:buNone/>
+            </a:pPr>
+            <a:r>
+              <a:rPr lang="en-US" sz="1800" dirty="0" smtClean="0"/>
+              <a:t>    public class </a:t>
+            </a:r>
+            <a:r>
+              <a:rPr lang="en-US" sz="1800" dirty="0" err="1" smtClean="0"/>
+              <a:t>TestController</a:t>
+            </a:r>
+            <a:r>
+              <a:rPr lang="en-US" sz="1800" dirty="0" smtClean="0"/>
+              <a:t> : </a:t>
+            </a:r>
+            <a:r>
+              <a:rPr lang="en-US" sz="1800" dirty="0" err="1" smtClean="0"/>
+              <a:t>ApiController</a:t>
+            </a:r>
+            <a:endParaRPr lang="en-US" sz="1800" dirty="0" smtClean="0"/>
+          </a:p>
+          <a:p>
+            <a:pPr lvl="1">
+              <a:buNone/>
+            </a:pPr>
+            <a:r>
+              <a:rPr lang="en-US" sz="1800" dirty="0" smtClean="0"/>
+              <a:t>    {</a:t>
+            </a:r>
+          </a:p>
+          <a:p>
+            <a:pPr lvl="1">
+              <a:buNone/>
+            </a:pPr>
+            <a:r>
+              <a:rPr lang="en-US" sz="1800" dirty="0" smtClean="0"/>
+              <a:t>        // Controller methods not shown...</a:t>
+            </a:r>
+          </a:p>
+          <a:p>
+            <a:pPr lvl="1">
+              <a:buNone/>
+            </a:pPr>
+            <a:r>
+              <a:rPr lang="en-US" sz="1800" dirty="0" smtClean="0"/>
+              <a:t>    }</a:t>
+            </a:r>
+          </a:p>
+          <a:p>
+            <a:pPr lvl="1">
+              <a:buNone/>
+            </a:pPr>
+            <a:r>
+              <a:rPr lang="en-US" sz="1800" dirty="0" smtClean="0"/>
+              <a:t>}</a:t>
+            </a:r>
+            <a:endParaRPr lang="en-US" sz="1800" dirty="0" smtClean="0">
+              <a:solidFill>
+                <a:srgbClr val="C00000"/>
+              </a:solidFill>
+            </a:endParaRPr>
           </a:p>
           <a:p>
             <a:endParaRPr lang="en-US" sz="1400" dirty="0" smtClean="0">
@@ -10363,6 +10361,13 @@
             </a:endParaRPr>
           </a:p>
           <a:p>
+            <a:endParaRPr lang="en-US" sz="1400" dirty="0">
+              <a:solidFill>
+                <a:srgbClr val="C00000"/>
+              </a:solidFill>
+            </a:endParaRPr>
+          </a:p>
+          <a:p>
             <a:endParaRPr lang="en-US" sz="1400" dirty="0" smtClean="0">
               <a:solidFill>
                 <a:srgbClr val="C00000"/>
@@ -10370,50 +10375,10 @@
             </a:endParaRPr>
           </a:p>
           <a:p>
-            <a:endParaRPr lang="en-US" sz="1400" dirty="0">
-              <a:solidFill>
-                <a:srgbClr val="C00000"/>
-              </a:solidFill>
-            </a:endParaRPr>
-          </a:p>
-          <a:p>
-            <a:endParaRPr lang="en-US" sz="1400" dirty="0" smtClean="0">
-              <a:solidFill>
-                <a:srgbClr val="C00000"/>
-              </a:solidFill>
-            </a:endParaRPr>
-          </a:p>
-          <a:p>
             <a:endParaRPr lang="en-US" sz="1400" dirty="0" smtClean="0"/>
           </a:p>
         </p:txBody>
       </p:sp>
-      <p:pic>
-        <p:nvPicPr>
-          <p:cNvPr id="2050" name="Picture 2" descr="C:\Users\Santu\Desktop\Capture.PNG"/>
-          <p:cNvPicPr>
-            <a:picLocks noChangeAspect="1" noChangeArrowheads="1"/>
-          </p:cNvPicPr>
-          <p:nvPr/>
-        </p:nvPicPr>
-        <p:blipFill>
-          <a:blip r:embed="rId2"/>
-          <a:srcRect/>
-          <a:stretch>
-            <a:fillRect/>
-          </a:stretch>
-        </p:blipFill>
-        <p:spPr bwMode="auto">
-          <a:xfrm>
-            <a:off x="457200" y="2690360"/>
-            <a:ext cx="7848600" cy="3700915"/>
-          </a:xfrm>
-          <a:prstGeom prst="rect">
-            <a:avLst/>
-          </a:prstGeom>
-          <a:noFill/>
-        </p:spPr>
-      </p:pic>
     </p:spTree>
     <p:extLst>
       <p:ext uri="{BB962C8B-B14F-4D97-AF65-F5344CB8AC3E}">
@@ -10981,208 +10946,218 @@
           <a:lstStyle/>
           <a:p>
             <a:r>
-              <a:rPr lang="en-US" sz="1800" dirty="0" smtClean="0"/>
-              <a:t>add the </a:t>
-            </a:r>
-            <a:r>
-              <a:rPr lang="en-US" sz="1800" b="1" dirty="0" smtClean="0"/>
-              <a:t>[</a:t>
-            </a:r>
-            <a:r>
-              <a:rPr lang="en-US" sz="1800" b="1" dirty="0" err="1" smtClean="0"/>
+              <a:rPr lang="en-IN" sz="1800" dirty="0"/>
+              <a:t>Scope Rules for [</a:t>
+            </a:r>
+            <a:r>
+              <a:rPr lang="en-IN" sz="1800" dirty="0" err="1"/>
               <a:t>EnableCors</a:t>
             </a:r>
             <a:r>
-              <a:rPr lang="en-US" sz="1800" b="1" dirty="0" smtClean="0"/>
+              <a:rPr lang="en-IN" sz="1800" dirty="0"/>
               <a:t>]</a:t>
             </a:r>
-            <a:r>
-              <a:rPr lang="en-US" sz="1800" dirty="0" smtClean="0"/>
-              <a:t> attribute to the </a:t>
-            </a:r>
-            <a:r>
-              <a:rPr lang="en-US" sz="1800" dirty="0" err="1" smtClean="0"/>
-              <a:t>TestController</a:t>
-            </a:r>
-            <a:r>
-              <a:rPr lang="en-US" sz="1800" dirty="0" smtClean="0"/>
-              <a:t> class</a:t>
-            </a:r>
-          </a:p>
-          <a:p>
-            <a:pPr lvl="1">
-              <a:buNone/>
-            </a:pPr>
-            <a:r>
-              <a:rPr lang="en-US" sz="1800" dirty="0" smtClean="0"/>
-              <a:t>using </a:t>
-            </a:r>
-            <a:r>
-              <a:rPr lang="en-US" sz="1800" dirty="0" err="1" smtClean="0"/>
-              <a:t>System.Net.Http</a:t>
-            </a:r>
-            <a:r>
-              <a:rPr lang="en-US" sz="1800" dirty="0" smtClean="0"/>
-              <a:t>;</a:t>
-            </a:r>
-          </a:p>
-          <a:p>
-            <a:pPr lvl="1">
-              <a:buNone/>
-            </a:pPr>
-            <a:r>
-              <a:rPr lang="en-US" sz="1800" dirty="0" smtClean="0"/>
-              <a:t>using </a:t>
-            </a:r>
-            <a:r>
-              <a:rPr lang="en-US" sz="1800" dirty="0" err="1" smtClean="0"/>
-              <a:t>System.Web.Http</a:t>
-            </a:r>
-            <a:r>
-              <a:rPr lang="en-US" sz="1800" dirty="0" smtClean="0"/>
-              <a:t>;</a:t>
-            </a:r>
-          </a:p>
-          <a:p>
-            <a:pPr lvl="1">
-              <a:buNone/>
-            </a:pPr>
-            <a:r>
-              <a:rPr lang="en-US" sz="1800" dirty="0" smtClean="0">
-                <a:solidFill>
-                  <a:srgbClr val="FF0000"/>
-                </a:solidFill>
-              </a:rPr>
-              <a:t>using </a:t>
-            </a:r>
-            <a:r>
-              <a:rPr lang="en-US" sz="1800" dirty="0" err="1" smtClean="0">
-                <a:solidFill>
-                  <a:srgbClr val="FF0000"/>
-                </a:solidFill>
-              </a:rPr>
-              <a:t>System.Web.Http.Cors</a:t>
-            </a:r>
-            <a:r>
-              <a:rPr lang="en-US" sz="1800" dirty="0" smtClean="0">
-                <a:solidFill>
-                  <a:srgbClr val="FF0000"/>
-                </a:solidFill>
-              </a:rPr>
-              <a:t>;</a:t>
-            </a:r>
-            <a:endParaRPr lang="en-US" sz="1800" dirty="0" smtClean="0"/>
-          </a:p>
-          <a:p>
-            <a:pPr lvl="1">
-              <a:buNone/>
-            </a:pPr>
-            <a:r>
-              <a:rPr lang="en-US" sz="1800" dirty="0" smtClean="0"/>
-              <a:t>namespace </a:t>
-            </a:r>
-            <a:r>
-              <a:rPr lang="en-US" sz="1800" dirty="0" err="1" smtClean="0"/>
-              <a:t>WebService.Controllers</a:t>
-            </a:r>
-            <a:endParaRPr lang="en-US" sz="1800" dirty="0" smtClean="0"/>
-          </a:p>
-          <a:p>
-            <a:pPr lvl="1">
-              <a:buNone/>
-            </a:pPr>
-            <a:r>
-              <a:rPr lang="en-US" sz="1800" dirty="0" smtClean="0"/>
+          </a:p>
+          <a:p>
+            <a:r>
+              <a:rPr lang="en-IN" sz="1400" dirty="0"/>
+              <a:t>You can enable CORS per action, per controller, or globally for all Web API controllers in your application</a:t>
+            </a:r>
+            <a:r>
+              <a:rPr lang="en-IN" sz="1400" dirty="0" smtClean="0"/>
+              <a:t>.</a:t>
+            </a:r>
+          </a:p>
+          <a:p>
+            <a:r>
+              <a:rPr lang="en-US" sz="1400" b="1" dirty="0"/>
+              <a:t>Per </a:t>
+            </a:r>
+            <a:r>
+              <a:rPr lang="en-US" sz="1400" b="1" dirty="0" smtClean="0"/>
+              <a:t>Action</a:t>
+            </a:r>
+            <a:endParaRPr lang="en-US" sz="1400" b="1" dirty="0"/>
+          </a:p>
+          <a:p>
+            <a:r>
+              <a:rPr lang="en-US" sz="1400" dirty="0"/>
+              <a:t>To enable CORS for a single action, set the [</a:t>
+            </a:r>
+            <a:r>
+              <a:rPr lang="en-US" sz="1400" dirty="0" err="1"/>
+              <a:t>EnableCors</a:t>
+            </a:r>
+            <a:r>
+              <a:rPr lang="en-US" sz="1400" dirty="0"/>
+              <a:t>] attribute on the action method. The following example enables CORS for the </a:t>
+            </a:r>
+            <a:r>
+              <a:rPr lang="en-US" sz="1400" dirty="0" err="1"/>
+              <a:t>GetItem</a:t>
+            </a:r>
+            <a:r>
+              <a:rPr lang="en-US" sz="1400" dirty="0"/>
+              <a:t> method only.</a:t>
+            </a:r>
+          </a:p>
+          <a:p>
+            <a:r>
+              <a:rPr lang="en-US" sz="1400" dirty="0" smtClean="0"/>
+              <a:t>public </a:t>
+            </a:r>
+            <a:r>
+              <a:rPr lang="en-US" sz="1400" dirty="0"/>
+              <a:t>class </a:t>
+            </a:r>
+            <a:r>
+              <a:rPr lang="en-US" sz="1400" dirty="0" err="1"/>
+              <a:t>ItemsController</a:t>
+            </a:r>
+            <a:r>
+              <a:rPr lang="en-US" sz="1400" dirty="0"/>
+              <a:t> : </a:t>
+            </a:r>
+            <a:r>
+              <a:rPr lang="en-US" sz="1400" dirty="0" err="1"/>
+              <a:t>ApiController</a:t>
+            </a:r>
+            <a:endParaRPr lang="en-US" sz="1400" dirty="0"/>
+          </a:p>
+          <a:p>
+            <a:r>
+              <a:rPr lang="en-US" sz="1400" dirty="0"/>
               <a:t>{</a:t>
             </a:r>
           </a:p>
           <a:p>
-            <a:pPr lvl="1">
-              <a:buNone/>
-            </a:pPr>
-            <a:r>
-              <a:rPr lang="en-US" sz="1800" dirty="0" smtClean="0">
-                <a:solidFill>
-                  <a:srgbClr val="FF0000"/>
-                </a:solidFill>
-              </a:rPr>
+            <a:r>
+              <a:rPr lang="en-US" sz="1400" dirty="0"/>
+              <a:t>    public </a:t>
+            </a:r>
+            <a:r>
+              <a:rPr lang="en-US" sz="1400" dirty="0" err="1"/>
+              <a:t>HttpResponseMessage</a:t>
+            </a:r>
+            <a:r>
+              <a:rPr lang="en-US" sz="1400" dirty="0"/>
+              <a:t> </a:t>
+            </a:r>
+            <a:r>
+              <a:rPr lang="en-US" sz="1400" dirty="0" err="1"/>
+              <a:t>GetAll</a:t>
+            </a:r>
+            <a:r>
+              <a:rPr lang="en-US" sz="1400" dirty="0"/>
+              <a:t>() { ... </a:t>
+            </a:r>
+            <a:r>
+              <a:rPr lang="en-US" sz="1400" dirty="0" smtClean="0"/>
+              <a:t>}</a:t>
+            </a:r>
+            <a:endParaRPr lang="en-US" sz="1400" dirty="0"/>
+          </a:p>
+          <a:p>
+            <a:r>
+              <a:rPr lang="en-US" sz="1400" dirty="0"/>
               <a:t>    [</a:t>
             </a:r>
             <a:r>
-              <a:rPr lang="en-US" sz="1800" dirty="0" err="1" smtClean="0">
-                <a:solidFill>
-                  <a:srgbClr val="FF0000"/>
-                </a:solidFill>
-              </a:rPr>
+              <a:rPr lang="en-US" sz="1400" dirty="0" err="1"/>
               <a:t>EnableCors</a:t>
             </a:r>
             <a:r>
-              <a:rPr lang="en-US" sz="1800" dirty="0" smtClean="0">
-                <a:solidFill>
-                  <a:srgbClr val="FF0000"/>
-                </a:solidFill>
-              </a:rPr>
-              <a:t>(origins: "*", headers: "*", methods: "*")]</a:t>
-            </a:r>
-          </a:p>
-          <a:p>
-            <a:pPr lvl="1">
-              <a:buNone/>
-            </a:pPr>
-            <a:r>
-              <a:rPr lang="en-US" sz="1800" dirty="0" smtClean="0"/>
-              <a:t>    public class </a:t>
-            </a:r>
-            <a:r>
-              <a:rPr lang="en-US" sz="1800" dirty="0" err="1" smtClean="0"/>
-              <a:t>TestController</a:t>
-            </a:r>
-            <a:r>
-              <a:rPr lang="en-US" sz="1800" dirty="0" smtClean="0"/>
-              <a:t> : </a:t>
-            </a:r>
-            <a:r>
-              <a:rPr lang="en-US" sz="1800" dirty="0" err="1" smtClean="0"/>
-              <a:t>ApiController</a:t>
-            </a:r>
-            <a:endParaRPr lang="en-US" sz="1800" dirty="0" smtClean="0"/>
-          </a:p>
-          <a:p>
-            <a:pPr lvl="1">
-              <a:buNone/>
-            </a:pPr>
-            <a:r>
-              <a:rPr lang="en-US" sz="1800" dirty="0" smtClean="0"/>
-              <a:t>    {</a:t>
-            </a:r>
-          </a:p>
-          <a:p>
-            <a:pPr lvl="1">
-              <a:buNone/>
-            </a:pPr>
-            <a:r>
-              <a:rPr lang="en-US" sz="1800" dirty="0" smtClean="0"/>
-              <a:t>        // Controller methods not shown...</a:t>
-            </a:r>
-          </a:p>
-          <a:p>
-            <a:pPr lvl="1">
-              <a:buNone/>
-            </a:pPr>
-            <a:r>
-              <a:rPr lang="en-US" sz="1800" dirty="0" smtClean="0"/>
-              <a:t>    }</a:t>
-            </a:r>
-          </a:p>
-          <a:p>
-            <a:pPr lvl="1">
-              <a:buNone/>
-            </a:pPr>
-            <a:r>
-              <a:rPr lang="en-US" sz="1800" dirty="0" smtClean="0"/>
+              <a:rPr lang="en-US" sz="1400" dirty="0"/>
+              <a:t>(origins: "http://www.example.com", headers: "*", methods: "*")]</a:t>
+            </a:r>
+          </a:p>
+          <a:p>
+            <a:r>
+              <a:rPr lang="en-US" sz="1400" dirty="0"/>
+              <a:t>    public </a:t>
+            </a:r>
+            <a:r>
+              <a:rPr lang="en-US" sz="1400" dirty="0" err="1"/>
+              <a:t>HttpResponseMessage</a:t>
+            </a:r>
+            <a:r>
+              <a:rPr lang="en-US" sz="1400" dirty="0"/>
+              <a:t> </a:t>
+            </a:r>
+            <a:r>
+              <a:rPr lang="en-US" sz="1400" dirty="0" err="1"/>
+              <a:t>GetItem</a:t>
+            </a:r>
+            <a:r>
+              <a:rPr lang="en-US" sz="1400" dirty="0"/>
+              <a:t>(</a:t>
+            </a:r>
+            <a:r>
+              <a:rPr lang="en-US" sz="1400" dirty="0" err="1"/>
+              <a:t>int</a:t>
+            </a:r>
+            <a:r>
+              <a:rPr lang="en-US" sz="1400" dirty="0"/>
+              <a:t> id) { ... </a:t>
+            </a:r>
+            <a:r>
+              <a:rPr lang="en-US" sz="1400" dirty="0" smtClean="0"/>
               <a:t>}</a:t>
             </a:r>
-            <a:endParaRPr lang="en-US" sz="1800" dirty="0" smtClean="0">
+            <a:endParaRPr lang="en-US" sz="1400" dirty="0"/>
+          </a:p>
+          <a:p>
+            <a:r>
+              <a:rPr lang="en-US" sz="1400" dirty="0"/>
+              <a:t>    public </a:t>
+            </a:r>
+            <a:r>
+              <a:rPr lang="en-US" sz="1400" dirty="0" err="1"/>
+              <a:t>HttpResponseMessage</a:t>
+            </a:r>
+            <a:r>
+              <a:rPr lang="en-US" sz="1400" dirty="0"/>
+              <a:t> Post() { ... }</a:t>
+            </a:r>
+          </a:p>
+          <a:p>
+            <a:r>
+              <a:rPr lang="en-US" sz="1400" dirty="0"/>
+              <a:t>    public </a:t>
+            </a:r>
+            <a:r>
+              <a:rPr lang="en-US" sz="1400" dirty="0" err="1"/>
+              <a:t>HttpResponseMessage</a:t>
+            </a:r>
+            <a:r>
+              <a:rPr lang="en-US" sz="1400" dirty="0"/>
+              <a:t> </a:t>
+            </a:r>
+            <a:r>
+              <a:rPr lang="en-US" sz="1400" dirty="0" err="1"/>
+              <a:t>PutItem</a:t>
+            </a:r>
+            <a:r>
+              <a:rPr lang="en-US" sz="1400" dirty="0"/>
+              <a:t>(</a:t>
+            </a:r>
+            <a:r>
+              <a:rPr lang="en-US" sz="1400" dirty="0" err="1"/>
+              <a:t>int</a:t>
+            </a:r>
+            <a:r>
+              <a:rPr lang="en-US" sz="1400" dirty="0"/>
+              <a:t> id) { ... }</a:t>
+            </a:r>
+          </a:p>
+          <a:p>
+            <a:r>
+              <a:rPr lang="en-US" sz="1400" dirty="0"/>
+              <a:t>}</a:t>
+            </a:r>
+          </a:p>
+          <a:p>
+            <a:endParaRPr lang="en-US" sz="1400" dirty="0">
               <a:solidFill>
                 <a:srgbClr val="C00000"/>
               </a:solidFill>
@@ -11196,20 +11171,6 @@
             </a:endParaRPr>
           </a:p>
           <a:p>
-            <a:endParaRPr lang="en-US" sz="1400" dirty="0">
-              <a:solidFill>
-                <a:srgbClr val="C00000"/>
-              </a:solidFill>
-            </a:endParaRPr>
-          </a:p>
-          <a:p>
-            <a:endParaRPr lang="en-US" sz="1400" dirty="0" smtClean="0">
-              <a:solidFill>
-                <a:srgbClr val="C00000"/>
-              </a:solidFill>
-            </a:endParaRPr>
-          </a:p>
-          <a:p>
             <a:endParaRPr lang="en-US" sz="1400" dirty="0" smtClean="0"/>
           </a:p>
         </p:txBody>
@@ -11217,7 +11178,7 @@
     </p:spTree>
     <p:extLst>
       <p:ext uri="{BB962C8B-B14F-4D97-AF65-F5344CB8AC3E}">
-        <p14:creationId xmlns:p14="http://schemas.microsoft.com/office/powerpoint/2010/main" val="115922655"/>
+        <p14:creationId xmlns:p14="http://schemas.microsoft.com/office/powerpoint/2010/main" val="1430698716"/>
       </p:ext>
     </p:extLst>
   </p:cSld>
@@ -11289,13 +11250,24 @@
         <p:spPr/>
         <p:txBody>
           <a:bodyPr>
-            <a:normAutofit/>
+            <a:normAutofit fontScale="92500" lnSpcReduction="10000"/>
           </a:bodyPr>
           <a:lstStyle/>
           <a:p>
             <a:r>
+              <a:rPr lang="en-IN" sz="1800" b="1" dirty="0"/>
+              <a:t>Per </a:t>
+            </a:r>
+            <a:r>
+              <a:rPr lang="en-IN" sz="1800" b="1" dirty="0" smtClean="0"/>
+              <a:t>Controller</a:t>
+            </a:r>
+            <a:endParaRPr lang="en-IN" sz="1800" b="1" dirty="0"/>
+          </a:p>
+          <a:p>
+            <a:r>
               <a:rPr lang="en-IN" sz="1800" dirty="0"/>
-              <a:t>Scope Rules for [</a:t>
+              <a:t>If you set [</a:t>
             </a:r>
             <a:r>
               <a:rPr lang="en-IN" sz="1800" dirty="0" err="1"/>
@@ -11303,215 +11275,193 @@
             </a:r>
             <a:r>
               <a:rPr lang="en-IN" sz="1800" dirty="0"/>
+              <a:t>] on the controller class, it applies to all the actions on the controller. To disable CORS for an action, add the [</a:t>
+            </a:r>
+            <a:r>
+              <a:rPr lang="en-IN" sz="1800" dirty="0" err="1"/>
+              <a:t>DisableCors</a:t>
+            </a:r>
+            <a:r>
+              <a:rPr lang="en-IN" sz="1800" dirty="0"/>
+              <a:t>] attribute to the action. </a:t>
+            </a:r>
+            <a:endParaRPr lang="en-IN" sz="1800" dirty="0" smtClean="0"/>
+          </a:p>
+          <a:p>
+            <a:r>
+              <a:rPr lang="en-IN" sz="1800" dirty="0" smtClean="0"/>
+              <a:t>The </a:t>
+            </a:r>
+            <a:r>
+              <a:rPr lang="en-IN" sz="1800" dirty="0"/>
+              <a:t>following example enables CORS for every method except </a:t>
+            </a:r>
+            <a:r>
+              <a:rPr lang="en-IN" sz="1800" dirty="0" err="1"/>
+              <a:t>PutItem</a:t>
+            </a:r>
+            <a:r>
+              <a:rPr lang="en-IN" sz="1800" dirty="0"/>
+              <a:t>.</a:t>
+            </a:r>
+          </a:p>
+          <a:p>
+            <a:r>
+              <a:rPr lang="en-IN" sz="1800" dirty="0" smtClean="0"/>
+              <a:t>[</a:t>
+            </a:r>
+            <a:r>
+              <a:rPr lang="en-IN" sz="1800" dirty="0" err="1"/>
+              <a:t>EnableCors</a:t>
+            </a:r>
+            <a:r>
+              <a:rPr lang="en-IN" sz="1800" dirty="0"/>
+              <a:t>(origins: "http://www.example.com", headers: "*", methods: "*")]</a:t>
+            </a:r>
+          </a:p>
+          <a:p>
+            <a:r>
+              <a:rPr lang="en-IN" sz="1800" dirty="0"/>
+              <a:t>public class </a:t>
+            </a:r>
+            <a:r>
+              <a:rPr lang="en-IN" sz="1800" dirty="0" err="1"/>
+              <a:t>ItemsController</a:t>
+            </a:r>
+            <a:r>
+              <a:rPr lang="en-IN" sz="1800" dirty="0"/>
+              <a:t> : </a:t>
+            </a:r>
+            <a:r>
+              <a:rPr lang="en-IN" sz="1800" dirty="0" err="1"/>
+              <a:t>ApiController</a:t>
+            </a:r>
+            <a:endParaRPr lang="en-IN" sz="1800" dirty="0"/>
+          </a:p>
+          <a:p>
+            <a:r>
+              <a:rPr lang="en-IN" sz="1800" dirty="0"/>
+              <a:t>{</a:t>
+            </a:r>
+          </a:p>
+          <a:p>
+            <a:r>
+              <a:rPr lang="en-IN" sz="1800" dirty="0"/>
+              <a:t>    public </a:t>
+            </a:r>
+            <a:r>
+              <a:rPr lang="en-IN" sz="1800" dirty="0" err="1"/>
+              <a:t>HttpResponseMessage</a:t>
+            </a:r>
+            <a:r>
+              <a:rPr lang="en-IN" sz="1800" dirty="0"/>
+              <a:t> </a:t>
+            </a:r>
+            <a:r>
+              <a:rPr lang="en-IN" sz="1800" dirty="0" err="1"/>
+              <a:t>GetAll</a:t>
+            </a:r>
+            <a:r>
+              <a:rPr lang="en-IN" sz="1800" dirty="0"/>
+              <a:t>() { ... }</a:t>
+            </a:r>
+          </a:p>
+          <a:p>
+            <a:r>
+              <a:rPr lang="en-IN" sz="1800" dirty="0"/>
+              <a:t>    public </a:t>
+            </a:r>
+            <a:r>
+              <a:rPr lang="en-IN" sz="1800" dirty="0" err="1"/>
+              <a:t>HttpResponseMessage</a:t>
+            </a:r>
+            <a:r>
+              <a:rPr lang="en-IN" sz="1800" dirty="0"/>
+              <a:t> </a:t>
+            </a:r>
+            <a:r>
+              <a:rPr lang="en-IN" sz="1800" dirty="0" err="1"/>
+              <a:t>GetItem</a:t>
+            </a:r>
+            <a:r>
+              <a:rPr lang="en-IN" sz="1800" dirty="0"/>
+              <a:t>(</a:t>
+            </a:r>
+            <a:r>
+              <a:rPr lang="en-IN" sz="1800" dirty="0" err="1"/>
+              <a:t>int</a:t>
+            </a:r>
+            <a:r>
+              <a:rPr lang="en-IN" sz="1800" dirty="0"/>
+              <a:t> id) { ... }</a:t>
+            </a:r>
+          </a:p>
+          <a:p>
+            <a:r>
+              <a:rPr lang="en-IN" sz="1800" dirty="0"/>
+              <a:t>    public </a:t>
+            </a:r>
+            <a:r>
+              <a:rPr lang="en-IN" sz="1800" dirty="0" err="1"/>
+              <a:t>HttpResponseMessage</a:t>
+            </a:r>
+            <a:r>
+              <a:rPr lang="en-IN" sz="1800" dirty="0"/>
+              <a:t> Post() { ... }</a:t>
+            </a:r>
+          </a:p>
+          <a:p>
+            <a:endParaRPr lang="en-IN" sz="1800" dirty="0"/>
+          </a:p>
+          <a:p>
+            <a:r>
+              <a:rPr lang="en-IN" sz="1800" dirty="0"/>
+              <a:t>    [</a:t>
+            </a:r>
+            <a:r>
+              <a:rPr lang="en-IN" sz="1800" dirty="0" err="1"/>
+              <a:t>DisableCors</a:t>
+            </a:r>
+            <a:r>
+              <a:rPr lang="en-IN" sz="1800" dirty="0"/>
               <a:t>]</a:t>
             </a:r>
           </a:p>
           <a:p>
             <a:r>
-              <a:rPr lang="en-IN" sz="1400" dirty="0"/>
-              <a:t>You can enable CORS per action, per controller, or globally for all Web API controllers in your application</a:t>
-            </a:r>
-            <a:r>
-              <a:rPr lang="en-IN" sz="1400" dirty="0" smtClean="0"/>
-              <a:t>.</a:t>
-            </a:r>
-          </a:p>
-          <a:p>
-            <a:r>
-              <a:rPr lang="en-US" sz="1400" b="1" dirty="0"/>
-              <a:t>Per </a:t>
-            </a:r>
-            <a:r>
-              <a:rPr lang="en-US" sz="1400" b="1" dirty="0" smtClean="0"/>
-              <a:t>Action</a:t>
-            </a:r>
-            <a:endParaRPr lang="en-US" sz="1400" b="1" dirty="0"/>
-          </a:p>
-          <a:p>
-            <a:r>
-              <a:rPr lang="en-US" sz="1400" dirty="0"/>
-              <a:t>To enable CORS for a single action, set the [</a:t>
-            </a:r>
-            <a:r>
-              <a:rPr lang="en-US" sz="1400" dirty="0" err="1"/>
-              <a:t>EnableCors</a:t>
-            </a:r>
-            <a:r>
-              <a:rPr lang="en-US" sz="1400" dirty="0"/>
-              <a:t>] attribute on the action method. The following example enables CORS for the </a:t>
-            </a:r>
-            <a:r>
-              <a:rPr lang="en-US" sz="1400" dirty="0" err="1"/>
-              <a:t>GetItem</a:t>
-            </a:r>
-            <a:r>
-              <a:rPr lang="en-US" sz="1400" dirty="0"/>
-              <a:t> method only.</a:t>
-            </a:r>
-          </a:p>
-          <a:p>
-            <a:r>
-              <a:rPr lang="en-US" sz="1400" dirty="0" smtClean="0"/>
-              <a:t>public </a:t>
-            </a:r>
-            <a:r>
-              <a:rPr lang="en-US" sz="1400" dirty="0"/>
-              <a:t>class </a:t>
-            </a:r>
-            <a:r>
-              <a:rPr lang="en-US" sz="1400" dirty="0" err="1"/>
-              <a:t>ItemsController</a:t>
-            </a:r>
-            <a:r>
-              <a:rPr lang="en-US" sz="1400" dirty="0"/>
-              <a:t> : </a:t>
-            </a:r>
-            <a:r>
-              <a:rPr lang="en-US" sz="1400" dirty="0" err="1"/>
-              <a:t>ApiController</a:t>
-            </a:r>
-            <a:endParaRPr lang="en-US" sz="1400" dirty="0"/>
-          </a:p>
-          <a:p>
-            <a:r>
-              <a:rPr lang="en-US" sz="1400" dirty="0"/>
-              <a:t>{</a:t>
-            </a:r>
-          </a:p>
-          <a:p>
-            <a:r>
-              <a:rPr lang="en-US" sz="1400" dirty="0"/>
+              <a:rPr lang="en-IN" sz="1800" dirty="0"/>
               <a:t>    public </a:t>
             </a:r>
             <a:r>
-              <a:rPr lang="en-US" sz="1400" dirty="0" err="1"/>
+              <a:rPr lang="en-IN" sz="1800" dirty="0" err="1"/>
               <a:t>HttpResponseMessage</a:t>
             </a:r>
             <a:r>
-              <a:rPr lang="en-US" sz="1400" dirty="0"/>
+              <a:rPr lang="en-IN" sz="1800" dirty="0"/>
               <a:t> </a:t>
             </a:r>
             <a:r>
-              <a:rPr lang="en-US" sz="1400" dirty="0" err="1"/>
-              <a:t>GetAll</a:t>
-            </a:r>
-            <a:r>
-              <a:rPr lang="en-US" sz="1400" dirty="0"/>
-              <a:t>() { ... </a:t>
-            </a:r>
-            <a:r>
-              <a:rPr lang="en-US" sz="1400" dirty="0" smtClean="0"/>
+              <a:rPr lang="en-IN" sz="1800" dirty="0" err="1"/>
+              <a:t>PutItem</a:t>
+            </a:r>
+            <a:r>
+              <a:rPr lang="en-IN" sz="1800" dirty="0"/>
+              <a:t>(</a:t>
+            </a:r>
+            <a:r>
+              <a:rPr lang="en-IN" sz="1800" dirty="0" err="1"/>
+              <a:t>int</a:t>
+            </a:r>
+            <a:r>
+              <a:rPr lang="en-IN" sz="1800" dirty="0"/>
+              <a:t> id) { ... }</a:t>
+            </a:r>
+          </a:p>
+          <a:p>
+            <a:r>
+              <a:rPr lang="en-IN" sz="1800" dirty="0"/>
               <a:t>}</a:t>
             </a:r>
-            <a:endParaRPr lang="en-US" sz="1400" dirty="0"/>
-          </a:p>
-          <a:p>
-            <a:r>
-              <a:rPr lang="en-US" sz="1400" dirty="0"/>
-              <a:t>    [</a:t>
-            </a:r>
-            <a:r>
-              <a:rPr lang="en-US" sz="1400" dirty="0" err="1"/>
-              <a:t>EnableCors</a:t>
-            </a:r>
-            <a:r>
-              <a:rPr lang="en-US" sz="1400" dirty="0"/>
-              <a:t>(origins: "http://www.example.com", headers: "*", methods: "*")]</a:t>
-            </a:r>
-          </a:p>
-          <a:p>
-            <a:r>
-              <a:rPr lang="en-US" sz="1400" dirty="0"/>
-              <a:t>    public </a:t>
-            </a:r>
-            <a:r>
-              <a:rPr lang="en-US" sz="1400" dirty="0" err="1"/>
-              <a:t>HttpResponseMessage</a:t>
-            </a:r>
-            <a:r>
-              <a:rPr lang="en-US" sz="1400" dirty="0"/>
-              <a:t> </a:t>
-            </a:r>
-            <a:r>
-              <a:rPr lang="en-US" sz="1400" dirty="0" err="1"/>
-              <a:t>GetItem</a:t>
-            </a:r>
-            <a:r>
-              <a:rPr lang="en-US" sz="1400" dirty="0"/>
-              <a:t>(</a:t>
-            </a:r>
-            <a:r>
-              <a:rPr lang="en-US" sz="1400" dirty="0" err="1"/>
-              <a:t>int</a:t>
-            </a:r>
-            <a:r>
-              <a:rPr lang="en-US" sz="1400" dirty="0"/>
-              <a:t> id) { ... </a:t>
-            </a:r>
-            <a:r>
-              <a:rPr lang="en-US" sz="1400" dirty="0" smtClean="0"/>
-              <a:t>}</a:t>
-            </a:r>
-            <a:endParaRPr lang="en-US" sz="1400" dirty="0"/>
-          </a:p>
-          <a:p>
-            <a:r>
-              <a:rPr lang="en-US" sz="1400" dirty="0"/>
-              <a:t>    public </a:t>
-            </a:r>
-            <a:r>
-              <a:rPr lang="en-US" sz="1400" dirty="0" err="1"/>
-              <a:t>HttpResponseMessage</a:t>
-            </a:r>
-            <a:r>
-              <a:rPr lang="en-US" sz="1400" dirty="0"/>
-              <a:t> Post() { ... }</a:t>
-            </a:r>
-          </a:p>
-          <a:p>
-            <a:r>
-              <a:rPr lang="en-US" sz="1400" dirty="0"/>
-              <a:t>    public </a:t>
-            </a:r>
-            <a:r>
-              <a:rPr lang="en-US" sz="1400" dirty="0" err="1"/>
-              <a:t>HttpResponseMessage</a:t>
-            </a:r>
-            <a:r>
-              <a:rPr lang="en-US" sz="1400" dirty="0"/>
-              <a:t> </a:t>
-            </a:r>
-            <a:r>
-              <a:rPr lang="en-US" sz="1400" dirty="0" err="1"/>
-              <a:t>PutItem</a:t>
-            </a:r>
-            <a:r>
-              <a:rPr lang="en-US" sz="1400" dirty="0"/>
-              <a:t>(</a:t>
-            </a:r>
-            <a:r>
-              <a:rPr lang="en-US" sz="1400" dirty="0" err="1"/>
-              <a:t>int</a:t>
-            </a:r>
-            <a:r>
-              <a:rPr lang="en-US" sz="1400" dirty="0"/>
-              <a:t> id) { ... }</a:t>
-            </a:r>
-          </a:p>
-          <a:p>
-            <a:r>
-              <a:rPr lang="en-US" sz="1400" dirty="0"/>
-              <a:t>}</a:t>
-            </a:r>
-          </a:p>
-          <a:p>
-            <a:endParaRPr lang="en-US" sz="1400" dirty="0">
-              <a:solidFill>
-                <a:srgbClr val="C00000"/>
-              </a:solidFill>
-            </a:endParaRPr>
-          </a:p>
-          <a:p>
             <a:endParaRPr lang="en-US" sz="1400" dirty="0" smtClean="0">
               <a:solidFill>
                 <a:srgbClr val="C00000"/>
@@ -11519,6 +11469,13 @@
             </a:endParaRPr>
           </a:p>
           <a:p>
+            <a:endParaRPr lang="en-US" sz="1400" dirty="0" smtClean="0">
+              <a:solidFill>
+                <a:srgbClr val="C00000"/>
+              </a:solidFill>
+            </a:endParaRPr>
+          </a:p>
+          <a:p>
             <a:endParaRPr lang="en-US" sz="1400" dirty="0" smtClean="0"/>
           </a:p>
         </p:txBody>
@@ -11526,7 +11483,7 @@
     </p:spTree>
     <p:extLst>
       <p:ext uri="{BB962C8B-B14F-4D97-AF65-F5344CB8AC3E}">
-        <p14:creationId xmlns:p14="http://schemas.microsoft.com/office/powerpoint/2010/main" val="1430698716"/>
+        <p14:creationId xmlns:p14="http://schemas.microsoft.com/office/powerpoint/2010/main" val="818424531"/>
       </p:ext>
     </p:extLst>
   </p:cSld>
@@ -11598,24 +11555,28 @@
         <p:spPr/>
         <p:txBody>
           <a:bodyPr>
-            <a:normAutofit fontScale="92500" lnSpcReduction="10000"/>
+            <a:normAutofit/>
           </a:bodyPr>
           <a:lstStyle/>
           <a:p>
             <a:r>
-              <a:rPr lang="en-IN" sz="1800" b="1" dirty="0"/>
-              <a:t>Per </a:t>
-            </a:r>
-            <a:r>
               <a:rPr lang="en-IN" sz="1800" b="1" dirty="0" smtClean="0"/>
-              <a:t>Controller</a:t>
+              <a:t>Globally</a:t>
             </a:r>
             <a:endParaRPr lang="en-IN" sz="1800" b="1" dirty="0"/>
           </a:p>
           <a:p>
             <a:r>
               <a:rPr lang="en-IN" sz="1800" dirty="0"/>
-              <a:t>If you set [</a:t>
+              <a:t>To enable CORS for all Web API controllers in your application, pass an </a:t>
+            </a:r>
+            <a:r>
+              <a:rPr lang="en-IN" sz="1800" dirty="0" err="1"/>
+              <a:t>EnableCorsAttribute</a:t>
+            </a:r>
+            <a:r>
+              <a:rPr lang="en-IN" sz="1800" dirty="0"/>
+              <a:t> instance to the </a:t>
             </a:r>
             <a:r>
               <a:rPr lang="en-IN" sz="1800" dirty="0" err="1"/>
@@ -11623,66 +11584,21 @@
             </a:r>
             <a:r>
               <a:rPr lang="en-IN" sz="1800" dirty="0"/>
-              <a:t>] on the controller class, it applies to all the actions on the controller. To disable CORS for an action, add the [</a:t>
+              <a:t> method:</a:t>
+            </a:r>
+          </a:p>
+          <a:p>
+            <a:r>
+              <a:rPr lang="en-IN" sz="1800" dirty="0" smtClean="0"/>
+              <a:t>public </a:t>
+            </a:r>
+            <a:r>
+              <a:rPr lang="en-IN" sz="1800" dirty="0"/>
+              <a:t>static class </a:t>
             </a:r>
             <a:r>
               <a:rPr lang="en-IN" sz="1800" dirty="0" err="1"/>
-              <a:t>DisableCors</a:t>
-            </a:r>
-            <a:r>
-              <a:rPr lang="en-IN" sz="1800" dirty="0"/>
-              <a:t>] attribute to the action. </a:t>
-            </a:r>
-            <a:endParaRPr lang="en-IN" sz="1800" dirty="0" smtClean="0"/>
-          </a:p>
-          <a:p>
-            <a:r>
-              <a:rPr lang="en-IN" sz="1800" dirty="0" smtClean="0"/>
-              <a:t>The </a:t>
-            </a:r>
-            <a:r>
-              <a:rPr lang="en-IN" sz="1800" dirty="0"/>
-              <a:t>following example enables CORS for every method except </a:t>
-            </a:r>
-            <a:r>
-              <a:rPr lang="en-IN" sz="1800" dirty="0" err="1"/>
-              <a:t>PutItem</a:t>
-            </a:r>
-            <a:r>
-              <a:rPr lang="en-IN" sz="1800" dirty="0"/>
-              <a:t>.</a:t>
-            </a:r>
-          </a:p>
-          <a:p>
-            <a:r>
-              <a:rPr lang="en-IN" sz="1800" dirty="0" smtClean="0"/>
-              <a:t>[</a:t>
-            </a:r>
-            <a:r>
-              <a:rPr lang="en-IN" sz="1800" dirty="0" err="1"/>
-              <a:t>EnableCors</a:t>
-            </a:r>
-            <a:r>
-              <a:rPr lang="en-IN" sz="1800" dirty="0"/>
-              <a:t>(origins: "http://www.example.com", headers: "*", methods: "*")]</a:t>
-            </a:r>
-          </a:p>
-          <a:p>
-            <a:r>
-              <a:rPr lang="en-IN" sz="1800" dirty="0"/>
-              <a:t>public class </a:t>
-            </a:r>
-            <a:r>
-              <a:rPr lang="en-IN" sz="1800" dirty="0" err="1"/>
-              <a:t>ItemsController</a:t>
-            </a:r>
-            <a:r>
-              <a:rPr lang="en-IN" sz="1800" dirty="0"/>
-              <a:t> : </a:t>
-            </a:r>
-            <a:r>
-              <a:rPr lang="en-IN" sz="1800" dirty="0" err="1"/>
-              <a:t>ApiController</a:t>
+              <a:t>WebApiConfig</a:t>
             </a:r>
             <a:endParaRPr lang="en-IN" sz="1800" dirty="0"/>
           </a:p>
@@ -11695,11 +11611,11 @@
           <a:p>
             <a:r>
               <a:rPr lang="en-IN" sz="1800" dirty="0"/>
-              <a:t>    public </a:t>
+              <a:t>    public static void Register(</a:t>
             </a:r>
             <a:r>
               <a:rPr lang="en-IN" sz="1800" dirty="0" err="1"/>
-              <a:t>HttpResponseMessage</a:t>
+              <a:t>HttpConfiguration</a:t>
             </a:r>
             <a:r>
               <a:rPr lang="en-IN" sz="1800" dirty="0"/>
@@ -11707,21 +11623,27 @@
             </a:r>
             <a:r>
               <a:rPr lang="en-IN" sz="1800" dirty="0" err="1"/>
-              <a:t>GetAll</a:t>
+              <a:t>config</a:t>
             </a:r>
             <a:r>
               <a:rPr lang="en-IN" sz="1800" dirty="0"/>
-              <a:t>() { ... }</a:t>
+              <a:t>)</a:t>
             </a:r>
           </a:p>
           <a:p>
             <a:r>
               <a:rPr lang="en-IN" sz="1800" dirty="0"/>
-              <a:t>    public </a:t>
+              <a:t>    {</a:t>
+            </a:r>
+          </a:p>
+          <a:p>
+            <a:r>
+              <a:rPr lang="en-IN" sz="1800" dirty="0"/>
+              <a:t>        </a:t>
             </a:r>
             <a:r>
               <a:rPr lang="en-IN" sz="1800" dirty="0" err="1"/>
-              <a:t>HttpResponseMessage</a:t>
+              <a:t>var</a:t>
             </a:r>
             <a:r>
               <a:rPr lang="en-IN" sz="1800" dirty="0"/>
@@ -11729,7 +11651,29 @@
             </a:r>
             <a:r>
               <a:rPr lang="en-IN" sz="1800" dirty="0" err="1"/>
-              <a:t>GetItem</a:t>
+              <a:t>cors</a:t>
+            </a:r>
+            <a:r>
+              <a:rPr lang="en-IN" sz="1800" dirty="0"/>
+              <a:t> = new </a:t>
+            </a:r>
+            <a:r>
+              <a:rPr lang="en-IN" sz="1800" dirty="0" err="1"/>
+              <a:t>EnableCorsAttribute</a:t>
+            </a:r>
+            <a:r>
+              <a:rPr lang="en-IN" sz="1800" dirty="0"/>
+              <a:t>("www.example.com", "*", "*");</a:t>
+            </a:r>
+          </a:p>
+          <a:p>
+            <a:r>
+              <a:rPr lang="en-IN" sz="1800" dirty="0"/>
+              <a:t>        </a:t>
+            </a:r>
+            <a:r>
+              <a:rPr lang="en-IN" sz="1800" dirty="0" err="1"/>
+              <a:t>config.EnableCors</a:t>
             </a:r>
             <a:r>
               <a:rPr lang="en-IN" sz="1800" dirty="0"/>
@@ -11737,72 +11681,23 @@
             </a:r>
             <a:r>
               <a:rPr lang="en-IN" sz="1800" dirty="0" err="1"/>
-              <a:t>int</a:t>
+              <a:t>cors</a:t>
             </a:r>
             <a:r>
               <a:rPr lang="en-IN" sz="1800" dirty="0"/>
-              <a:t> id) { ... }</a:t>
+              <a:t>);</a:t>
             </a:r>
           </a:p>
           <a:p>
             <a:r>
               <a:rPr lang="en-IN" sz="1800" dirty="0"/>
-              <a:t>    public </a:t>
-            </a:r>
-            <a:r>
-              <a:rPr lang="en-IN" sz="1800" dirty="0" err="1"/>
-              <a:t>HttpResponseMessage</a:t>
-            </a:r>
+              <a:t>        // ...</a:t>
+            </a:r>
+          </a:p>
+          <a:p>
             <a:r>
               <a:rPr lang="en-IN" sz="1800" dirty="0"/>
-              <a:t> Post() { ... }</a:t>
-            </a:r>
-          </a:p>
-          <a:p>
-            <a:endParaRPr lang="en-IN" sz="1800" dirty="0"/>
-          </a:p>
-          <a:p>
-            <a:r>
-              <a:rPr lang="en-IN" sz="1800" dirty="0"/>
-              <a:t>    [</a:t>
-            </a:r>
-            <a:r>
-              <a:rPr lang="en-IN" sz="1800" dirty="0" err="1"/>
-              <a:t>DisableCors</a:t>
-            </a:r>
-            <a:r>
-              <a:rPr lang="en-IN" sz="1800" dirty="0"/>
-              <a:t>]</a:t>
-            </a:r>
-          </a:p>
-          <a:p>
-            <a:r>
-              <a:rPr lang="en-IN" sz="1800" dirty="0"/>
-              <a:t>    public </a:t>
-            </a:r>
-            <a:r>
-              <a:rPr lang="en-IN" sz="1800" dirty="0" err="1"/>
-              <a:t>HttpResponseMessage</a:t>
-            </a:r>
-            <a:r>
-              <a:rPr lang="en-IN" sz="1800" dirty="0"/>
-              <a:t> </a:t>
-            </a:r>
-            <a:r>
-              <a:rPr lang="en-IN" sz="1800" dirty="0" err="1"/>
-              <a:t>PutItem</a:t>
-            </a:r>
-            <a:r>
-              <a:rPr lang="en-IN" sz="1800" dirty="0"/>
-              <a:t>(</a:t>
-            </a:r>
-            <a:r>
-              <a:rPr lang="en-IN" sz="1800" dirty="0" err="1"/>
-              <a:t>int</a:t>
-            </a:r>
-            <a:r>
-              <a:rPr lang="en-IN" sz="1800" dirty="0"/>
-              <a:t> id) { ... }</a:t>
+              <a:t>    }</a:t>
             </a:r>
           </a:p>
           <a:p>
@@ -11817,13 +11712,6 @@
             </a:endParaRPr>
           </a:p>
           <a:p>
-            <a:endParaRPr lang="en-US" sz="1400" dirty="0" smtClean="0">
-              <a:solidFill>
-                <a:srgbClr val="C00000"/>
-              </a:solidFill>
-            </a:endParaRPr>
-          </a:p>
-          <a:p>
             <a:endParaRPr lang="en-US" sz="1400" dirty="0" smtClean="0"/>
           </a:p>
         </p:txBody>
@@ -11831,7 +11719,7 @@
     </p:spTree>
     <p:extLst>
       <p:ext uri="{BB962C8B-B14F-4D97-AF65-F5344CB8AC3E}">
-        <p14:creationId xmlns:p14="http://schemas.microsoft.com/office/powerpoint/2010/main" val="818424531"/>
+        <p14:creationId xmlns:p14="http://schemas.microsoft.com/office/powerpoint/2010/main" val="2354206886"/>
       </p:ext>
     </p:extLst>
   </p:cSld>
@@ -11908,23 +11796,71 @@
           <a:lstStyle/>
           <a:p>
             <a:r>
-              <a:rPr lang="en-IN" sz="1800" b="1" dirty="0" smtClean="0"/>
-              <a:t>Globally</a:t>
-            </a:r>
-            <a:endParaRPr lang="en-IN" sz="1800" b="1" dirty="0"/>
-          </a:p>
-          <a:p>
-            <a:r>
               <a:rPr lang="en-IN" sz="1800" dirty="0"/>
-              <a:t>To enable CORS for all Web API controllers in your application, pass an </a:t>
-            </a:r>
-            <a:r>
-              <a:rPr lang="en-IN" sz="1800" dirty="0" err="1"/>
-              <a:t>EnableCorsAttribute</a:t>
-            </a:r>
+              <a:t>If you set the attribute at more than one scope, the order of precedence is:</a:t>
+            </a:r>
+          </a:p>
+          <a:p>
+            <a:pPr lvl="1"/>
             <a:r>
               <a:rPr lang="en-IN" sz="1800" dirty="0"/>
-              <a:t> instance to the </a:t>
+              <a:t>Action</a:t>
+            </a:r>
+          </a:p>
+          <a:p>
+            <a:pPr lvl="1"/>
+            <a:r>
+              <a:rPr lang="en-IN" sz="1800" dirty="0"/>
+              <a:t>Controller</a:t>
+            </a:r>
+          </a:p>
+          <a:p>
+            <a:pPr lvl="1"/>
+            <a:r>
+              <a:rPr lang="en-IN" sz="1800" dirty="0"/>
+              <a:t>Global</a:t>
+            </a:r>
+          </a:p>
+          <a:p>
+            <a:r>
+              <a:rPr lang="en-IN" sz="1800" b="1" dirty="0"/>
+              <a:t>Set the Allowed Origins</a:t>
+            </a:r>
+          </a:p>
+          <a:p>
+            <a:r>
+              <a:rPr lang="en-IN" sz="1800" dirty="0"/>
+              <a:t>The </a:t>
+            </a:r>
+            <a:r>
+              <a:rPr lang="en-IN" sz="1800" i="1" dirty="0"/>
+              <a:t>origins</a:t>
+            </a:r>
+            <a:r>
+              <a:rPr lang="en-IN" sz="1800" dirty="0"/>
+              <a:t> parameter of the </a:t>
+            </a:r>
+            <a:r>
+              <a:rPr lang="en-IN" sz="1800" b="1" dirty="0"/>
+              <a:t>[</a:t>
+            </a:r>
+            <a:r>
+              <a:rPr lang="en-IN" sz="1800" b="1" dirty="0" err="1"/>
+              <a:t>EnableCors</a:t>
+            </a:r>
+            <a:r>
+              <a:rPr lang="en-IN" sz="1800" b="1" dirty="0"/>
+              <a:t>]</a:t>
+            </a:r>
+            <a:r>
+              <a:rPr lang="en-IN" sz="1800" dirty="0"/>
+              <a:t> attribute specifies which origins are allowed to access the resource. The value is a comma-separated list of the allowed origins.</a:t>
+            </a:r>
+          </a:p>
+          <a:p>
+            <a:r>
+              <a:rPr lang="en-IN" sz="1800" dirty="0" smtClean="0"/>
+              <a:t>[</a:t>
             </a:r>
             <a:r>
               <a:rPr lang="en-IN" sz="1800" dirty="0" err="1"/>
@@ -11932,142 +11868,44 @@
             </a:r>
             <a:r>
               <a:rPr lang="en-IN" sz="1800" dirty="0"/>
-              <a:t> method:</a:t>
-            </a:r>
-          </a:p>
-          <a:p>
+              <a:t>(origins: "http://www.contoso.com,http://www.example.com", headers: "*", methods: </a:t>
+            </a:r>
             <a:r>
               <a:rPr lang="en-IN" sz="1800" dirty="0" smtClean="0"/>
-              <a:t>public </a:t>
+              <a:t>"*")]</a:t>
+            </a:r>
+          </a:p>
+          <a:p>
+            <a:r>
+              <a:rPr lang="en-IN" sz="1800" dirty="0" smtClean="0"/>
+              <a:t>Allow </a:t>
             </a:r>
             <a:r>
               <a:rPr lang="en-IN" sz="1800" dirty="0"/>
-              <a:t>static class </a:t>
+              <a:t>CORS for all origins. (Caution!)</a:t>
+            </a:r>
+          </a:p>
+          <a:p>
+            <a:r>
+              <a:rPr lang="en-IN" sz="1800" dirty="0"/>
+              <a:t>[</a:t>
             </a:r>
             <a:r>
               <a:rPr lang="en-IN" sz="1800" dirty="0" err="1"/>
-              <a:t>WebApiConfig</a:t>
-            </a:r>
-            <a:endParaRPr lang="en-IN" sz="1800" dirty="0"/>
-          </a:p>
-          <a:p>
+              <a:t>EnableCors</a:t>
+            </a:r>
             <a:r>
               <a:rPr lang="en-IN" sz="1800" dirty="0"/>
-              <a:t>{</a:t>
-            </a:r>
-          </a:p>
-          <a:p>
-            <a:r>
-              <a:rPr lang="en-IN" sz="1800" dirty="0"/>
-              <a:t>    public static void Register(</a:t>
-            </a:r>
-            <a:r>
-              <a:rPr lang="en-IN" sz="1800" dirty="0" err="1"/>
-              <a:t>HttpConfiguration</a:t>
-            </a:r>
-            <a:r>
-              <a:rPr lang="en-IN" sz="1800" dirty="0"/>
-              <a:t> </a:t>
-            </a:r>
-            <a:r>
-              <a:rPr lang="en-IN" sz="1800" dirty="0" err="1"/>
-              <a:t>config</a:t>
-            </a:r>
-            <a:r>
-              <a:rPr lang="en-IN" sz="1800" dirty="0"/>
-              <a:t>)</a:t>
-            </a:r>
-          </a:p>
-          <a:p>
-            <a:r>
-              <a:rPr lang="en-IN" sz="1800" dirty="0"/>
-              <a:t>    {</a:t>
-            </a:r>
-          </a:p>
-          <a:p>
-            <a:r>
-              <a:rPr lang="en-IN" sz="1800" dirty="0"/>
-              <a:t>        </a:t>
-            </a:r>
-            <a:r>
-              <a:rPr lang="en-IN" sz="1800" dirty="0" err="1"/>
-              <a:t>var</a:t>
-            </a:r>
-            <a:r>
-              <a:rPr lang="en-IN" sz="1800" dirty="0"/>
-              <a:t> </a:t>
-            </a:r>
-            <a:r>
-              <a:rPr lang="en-IN" sz="1800" dirty="0" err="1"/>
-              <a:t>cors</a:t>
-            </a:r>
-            <a:r>
-              <a:rPr lang="en-IN" sz="1800" dirty="0"/>
-              <a:t> = new </a:t>
-            </a:r>
-            <a:r>
-              <a:rPr lang="en-IN" sz="1800" dirty="0" err="1"/>
-              <a:t>EnableCorsAttribute</a:t>
-            </a:r>
-            <a:r>
-              <a:rPr lang="en-IN" sz="1800" dirty="0"/>
-              <a:t>("www.example.com", "*", "*");</a:t>
-            </a:r>
-          </a:p>
-          <a:p>
-            <a:r>
-              <a:rPr lang="en-IN" sz="1800" dirty="0"/>
-              <a:t>        </a:t>
-            </a:r>
-            <a:r>
-              <a:rPr lang="en-IN" sz="1800" dirty="0" err="1"/>
-              <a:t>config.EnableCors</a:t>
-            </a:r>
-            <a:r>
-              <a:rPr lang="en-IN" sz="1800" dirty="0"/>
-              <a:t>(</a:t>
-            </a:r>
-            <a:r>
-              <a:rPr lang="en-IN" sz="1800" dirty="0" err="1"/>
-              <a:t>cors</a:t>
-            </a:r>
-            <a:r>
-              <a:rPr lang="en-IN" sz="1800" dirty="0"/>
-              <a:t>);</a:t>
-            </a:r>
-          </a:p>
-          <a:p>
-            <a:r>
-              <a:rPr lang="en-IN" sz="1800" dirty="0"/>
-              <a:t>        // ...</a:t>
-            </a:r>
-          </a:p>
-          <a:p>
-            <a:r>
-              <a:rPr lang="en-IN" sz="1800" dirty="0"/>
-              <a:t>    }</a:t>
-            </a:r>
-          </a:p>
-          <a:p>
-            <a:r>
-              <a:rPr lang="en-IN" sz="1800" dirty="0"/>
-              <a:t>}</a:t>
-            </a:r>
-            <a:endParaRPr lang="en-US" sz="1400" dirty="0" smtClean="0">
-              <a:solidFill>
-                <a:srgbClr val="C00000"/>
-              </a:solidFill>
-            </a:endParaRPr>
-          </a:p>
-          <a:p>
-            <a:endParaRPr lang="en-US" sz="1400" dirty="0" smtClean="0"/>
+              <a:t>(origins: "*", headers: "*", methods: "*")]</a:t>
+            </a:r>
+            <a:endParaRPr lang="en-US" sz="1800" dirty="0" smtClean="0"/>
           </a:p>
         </p:txBody>
       </p:sp>
     </p:spTree>
     <p:extLst>
       <p:ext uri="{BB962C8B-B14F-4D97-AF65-F5344CB8AC3E}">
-        <p14:creationId xmlns:p14="http://schemas.microsoft.com/office/powerpoint/2010/main" val="2354206886"/>
+        <p14:creationId xmlns:p14="http://schemas.microsoft.com/office/powerpoint/2010/main" val="170670616"/>
       </p:ext>
     </p:extLst>
   </p:cSld>
@@ -12144,65 +11982,22 @@
           <a:lstStyle/>
           <a:p>
             <a:r>
+              <a:rPr lang="en-IN" sz="1800" b="1" dirty="0"/>
+              <a:t>Set the Allowed HTTP Methods</a:t>
+            </a:r>
+          </a:p>
+          <a:p>
+            <a:r>
               <a:rPr lang="en-IN" sz="1800" dirty="0"/>
-              <a:t>If you set the attribute at more than one scope, the order of precedence is:</a:t>
-            </a:r>
-          </a:p>
-          <a:p>
-            <a:pPr lvl="1"/>
+              <a:t>The methods parameter of the [</a:t>
+            </a:r>
+            <a:r>
+              <a:rPr lang="en-IN" sz="1800" dirty="0" err="1"/>
+              <a:t>EnableCors</a:t>
+            </a:r>
             <a:r>
               <a:rPr lang="en-IN" sz="1800" dirty="0"/>
-              <a:t>Action</a:t>
-            </a:r>
-          </a:p>
-          <a:p>
-            <a:pPr lvl="1"/>
-            <a:r>
-              <a:rPr lang="en-IN" sz="1800" dirty="0"/>
-              <a:t>Controller</a:t>
-            </a:r>
-          </a:p>
-          <a:p>
-            <a:pPr lvl="1"/>
-            <a:r>
-              <a:rPr lang="en-IN" sz="1800" dirty="0"/>
-              <a:t>Global</a:t>
-            </a:r>
-          </a:p>
-          <a:p>
-            <a:r>
-              <a:rPr lang="en-IN" sz="1800" b="1" dirty="0"/>
-              <a:t>Set the Allowed Origins</a:t>
-            </a:r>
-          </a:p>
-          <a:p>
-            <a:r>
-              <a:rPr lang="en-IN" sz="1800" dirty="0"/>
-              <a:t>The </a:t>
-            </a:r>
-            <a:r>
-              <a:rPr lang="en-IN" sz="1800" i="1" dirty="0"/>
-              <a:t>origins</a:t>
-            </a:r>
-            <a:r>
-              <a:rPr lang="en-IN" sz="1800" dirty="0"/>
-              <a:t> parameter of the </a:t>
-            </a:r>
-            <a:r>
-              <a:rPr lang="en-IN" sz="1800" b="1" dirty="0"/>
-              <a:t>[</a:t>
-            </a:r>
-            <a:r>
-              <a:rPr lang="en-IN" sz="1800" b="1" dirty="0" err="1"/>
-              <a:t>EnableCors</a:t>
-            </a:r>
-            <a:r>
-              <a:rPr lang="en-IN" sz="1800" b="1" dirty="0"/>
-              <a:t>]</a:t>
-            </a:r>
-            <a:r>
-              <a:rPr lang="en-IN" sz="1800" dirty="0"/>
-              <a:t> attribute specifies which origins are allowed to access the resource. The value is a comma-separated list of the allowed origins.</a:t>
+              <a:t>] attribute specifies which HTTP methods are allowed to access the resource. To allow all methods, use the wildcard value "*". The following example allows only GET and POST requests.</a:t>
             </a:r>
           </a:p>
           <a:p>
@@ -12216,21 +12011,21 @@
             </a:r>
             <a:r>
               <a:rPr lang="en-IN" sz="1800" dirty="0"/>
-              <a:t>(origins: "http://www.contoso.com,http://www.example.com", headers: "*", methods: </a:t>
+              <a:t>(origins: "http://www.example.com", headers: "*", methods: "</a:t>
+            </a:r>
+            <a:r>
+              <a:rPr lang="en-IN" sz="1800" dirty="0" err="1"/>
+              <a:t>get,post</a:t>
             </a:r>
             <a:r>
               <a:rPr lang="en-IN" sz="1800" dirty="0" smtClean="0"/>
-              <a:t>"*")]</a:t>
-            </a:r>
-          </a:p>
-          <a:p>
-            <a:r>
-              <a:rPr lang="en-IN" sz="1800" dirty="0" smtClean="0"/>
-              <a:t>Allow </a:t>
-            </a:r>
-            <a:r>
-              <a:rPr lang="en-IN" sz="1800" dirty="0"/>
-              <a:t>CORS for all origins. (Caution!)</a:t>
+              <a:t>")]</a:t>
+            </a:r>
+          </a:p>
+          <a:p>
+            <a:r>
+              <a:rPr lang="en-IN" sz="1800" b="1" dirty="0"/>
+              <a:t>Set the Allowed Request Headers</a:t>
             </a:r>
           </a:p>
           <a:p>
@@ -12244,16 +12039,31 @@
             </a:r>
             <a:r>
               <a:rPr lang="en-IN" sz="1800" dirty="0"/>
-              <a:t>(origins: "*", headers: "*", methods: "*")]</a:t>
-            </a:r>
-            <a:endParaRPr lang="en-US" sz="1800" dirty="0" smtClean="0"/>
+              <a:t>(origins: "http://example.com", headers: "</a:t>
+            </a:r>
+            <a:r>
+              <a:rPr lang="en-IN" sz="1800" dirty="0" err="1"/>
+              <a:t>accept,content</a:t>
+            </a:r>
+            <a:r>
+              <a:rPr lang="en-IN" sz="1800" dirty="0"/>
+              <a:t>-</a:t>
+            </a:r>
+            <a:r>
+              <a:rPr lang="en-IN" sz="1800" dirty="0" err="1"/>
+              <a:t>type,origin,x</a:t>
+            </a:r>
+            <a:r>
+              <a:rPr lang="en-IN" sz="1800" dirty="0"/>
+              <a:t>-my-header", methods: "*")]</a:t>
+            </a:r>
           </a:p>
         </p:txBody>
       </p:sp>
     </p:spTree>
     <p:extLst>
       <p:ext uri="{BB962C8B-B14F-4D97-AF65-F5344CB8AC3E}">
-        <p14:creationId xmlns:p14="http://schemas.microsoft.com/office/powerpoint/2010/main" val="170670616"/>
+        <p14:creationId xmlns:p14="http://schemas.microsoft.com/office/powerpoint/2010/main" val="23589152"/>
       </p:ext>
     </p:extLst>
   </p:cSld>
@@ -12305,164 +12115,6 @@
           <a:lstStyle/>
           <a:p>
             <a:r>
-              <a:rPr lang="en-US" sz="2400" dirty="0" smtClean="0"/>
-              <a:t>Enabling Cross-Origin Requests (CORS)</a:t>
-            </a:r>
-            <a:endParaRPr lang="en-US" sz="2400" dirty="0"/>
-          </a:p>
-        </p:txBody>
-      </p:sp>
-      <p:sp>
-        <p:nvSpPr>
-          <p:cNvPr id="5" name="Content Placeholder 4"/>
-          <p:cNvSpPr>
-            <a:spLocks noGrp="1"/>
-          </p:cNvSpPr>
-          <p:nvPr>
-            <p:ph sz="quarter" idx="1"/>
-          </p:nvPr>
-        </p:nvSpPr>
-        <p:spPr/>
-        <p:txBody>
-          <a:bodyPr>
-            <a:normAutofit/>
-          </a:bodyPr>
-          <a:lstStyle/>
-          <a:p>
-            <a:r>
-              <a:rPr lang="en-IN" sz="1800" b="1" dirty="0"/>
-              <a:t>Set the Allowed HTTP Methods</a:t>
-            </a:r>
-          </a:p>
-          <a:p>
-            <a:r>
-              <a:rPr lang="en-IN" sz="1800" dirty="0"/>
-              <a:t>The methods parameter of the [</a:t>
-            </a:r>
-            <a:r>
-              <a:rPr lang="en-IN" sz="1800" dirty="0" err="1"/>
-              <a:t>EnableCors</a:t>
-            </a:r>
-            <a:r>
-              <a:rPr lang="en-IN" sz="1800" dirty="0"/>
-              <a:t>] attribute specifies which HTTP methods are allowed to access the resource. To allow all methods, use the wildcard value "*". The following example allows only GET and POST requests.</a:t>
-            </a:r>
-          </a:p>
-          <a:p>
-            <a:r>
-              <a:rPr lang="en-IN" sz="1800" dirty="0" smtClean="0"/>
-              <a:t>[</a:t>
-            </a:r>
-            <a:r>
-              <a:rPr lang="en-IN" sz="1800" dirty="0" err="1"/>
-              <a:t>EnableCors</a:t>
-            </a:r>
-            <a:r>
-              <a:rPr lang="en-IN" sz="1800" dirty="0"/>
-              <a:t>(origins: "http://www.example.com", headers: "*", methods: "</a:t>
-            </a:r>
-            <a:r>
-              <a:rPr lang="en-IN" sz="1800" dirty="0" err="1"/>
-              <a:t>get,post</a:t>
-            </a:r>
-            <a:r>
-              <a:rPr lang="en-IN" sz="1800" dirty="0" smtClean="0"/>
-              <a:t>")]</a:t>
-            </a:r>
-          </a:p>
-          <a:p>
-            <a:r>
-              <a:rPr lang="en-IN" sz="1800" b="1" dirty="0"/>
-              <a:t>Set the Allowed Request Headers</a:t>
-            </a:r>
-          </a:p>
-          <a:p>
-            <a:r>
-              <a:rPr lang="en-IN" sz="1800" dirty="0"/>
-              <a:t>[</a:t>
-            </a:r>
-            <a:r>
-              <a:rPr lang="en-IN" sz="1800" dirty="0" err="1"/>
-              <a:t>EnableCors</a:t>
-            </a:r>
-            <a:r>
-              <a:rPr lang="en-IN" sz="1800" dirty="0"/>
-              <a:t>(origins: "http://example.com", headers: "</a:t>
-            </a:r>
-            <a:r>
-              <a:rPr lang="en-IN" sz="1800" dirty="0" err="1"/>
-              <a:t>accept,content</a:t>
-            </a:r>
-            <a:r>
-              <a:rPr lang="en-IN" sz="1800" dirty="0"/>
-              <a:t>-</a:t>
-            </a:r>
-            <a:r>
-              <a:rPr lang="en-IN" sz="1800" dirty="0" err="1"/>
-              <a:t>type,origin,x</a:t>
-            </a:r>
-            <a:r>
-              <a:rPr lang="en-IN" sz="1800" dirty="0"/>
-              <a:t>-my-header", methods: "*")]</a:t>
-            </a:r>
-          </a:p>
-        </p:txBody>
-      </p:sp>
-    </p:spTree>
-    <p:extLst>
-      <p:ext uri="{BB962C8B-B14F-4D97-AF65-F5344CB8AC3E}">
-        <p14:creationId xmlns:p14="http://schemas.microsoft.com/office/powerpoint/2010/main" val="23589152"/>
-      </p:ext>
-    </p:extLst>
-  </p:cSld>
-  <p:clrMapOvr>
-    <a:masterClrMapping/>
-  </p:clrMapOvr>
-  <p:timing>
-    <p:tnLst>
-      <p:par>
-        <p:cTn id="1" dur="indefinite" restart="never" nodeType="tmRoot"/>
-      </p:par>
-    </p:tnLst>
-  </p:timing>
-</p:sld>
-</file>
-
-<file path=ppt/slides/slide36.xml><?xml version="1.0" encoding="utf-8"?>
-<p:sld xmlns:a="http://schemas.openxmlformats.org/drawingml/2006/main" xmlns:r="http://schemas.openxmlformats.org/officeDocument/2006/relationships" xmlns:p="http://schemas.openxmlformats.org/presentationml/2006/main">
-  <p:cSld>
-    <p:spTree>
-      <p:nvGrpSpPr>
-        <p:cNvPr id="1" name=""/>
-        <p:cNvGrpSpPr/>
-        <p:nvPr/>
-      </p:nvGrpSpPr>
-      <p:grpSpPr>
-        <a:xfrm>
-          <a:off x="0" y="0"/>
-          <a:ext cx="0" cy="0"/>
-          <a:chOff x="0" y="0"/>
-          <a:chExt cx="0" cy="0"/>
-        </a:xfrm>
-      </p:grpSpPr>
-      <p:sp>
-        <p:nvSpPr>
-          <p:cNvPr id="4" name="Title 3"/>
-          <p:cNvSpPr>
-            <a:spLocks noGrp="1"/>
-          </p:cNvSpPr>
-          <p:nvPr>
-            <p:ph type="title"/>
-          </p:nvPr>
-        </p:nvSpPr>
-        <p:spPr/>
-        <p:txBody>
-          <a:bodyPr>
-            <a:normAutofit/>
-          </a:bodyPr>
-          <a:lstStyle/>
-          <a:p>
-            <a:r>
               <a:rPr lang="en-US" sz="2400" b="1" dirty="0" smtClean="0"/>
               <a:t>Difference between WCF and Web API. When to choose one over the other?</a:t>
             </a:r>
@@ -12559,7 +12211,7 @@
 </p:sld>
 </file>
 
-<file path=ppt/slides/slide37.xml><?xml version="1.0" encoding="utf-8"?>
+<file path=ppt/slides/slide36.xml><?xml version="1.0" encoding="utf-8"?>
 <p:sld xmlns:a="http://schemas.openxmlformats.org/drawingml/2006/main" xmlns:r="http://schemas.openxmlformats.org/officeDocument/2006/relationships" xmlns:p="http://schemas.openxmlformats.org/presentationml/2006/main">
   <p:cSld>
     <p:spTree>
@@ -12941,13 +12593,8 @@
           <a:p>
             <a:r>
               <a:rPr lang="en-US" sz="1800" dirty="0" smtClean="0"/>
-              <a:t>It can be hosted with in IIS or Windows </a:t>
-            </a:r>
-            <a:r>
-              <a:rPr lang="en-US" sz="1800" dirty="0" smtClean="0"/>
-              <a:t>Azure</a:t>
-            </a:r>
-            <a:endParaRPr lang="en-US" sz="1800" dirty="0" smtClean="0"/>
+              <a:t>It can be hosted with in IIS or Windows Azure</a:t>
+            </a:r>
           </a:p>
         </p:txBody>
       </p:sp>
@@ -13064,19 +12711,7 @@
             </a:r>
             <a:r>
               <a:rPr lang="en-US" sz="1600" dirty="0" smtClean="0"/>
-              <a:t>Web API is the great framework for exposing your data and service to different-different devices. Moreover Web API is open source an ideal platform for building REST-full services over the .NET </a:t>
-            </a:r>
-            <a:r>
-              <a:rPr lang="en-US" sz="1600" dirty="0" smtClean="0"/>
-              <a:t>Framework</a:t>
-            </a:r>
-            <a:r>
-              <a:rPr lang="en-US" sz="1600" dirty="0" smtClean="0"/>
-              <a:t>/Core.</a:t>
-            </a:r>
-            <a:r>
-              <a:rPr lang="en-US" sz="1600" dirty="0" smtClean="0"/>
-              <a:t> </a:t>
+              <a:t>Web API is the great framework for exposing your data and service to different-different devices. Moreover Web API is open source an ideal platform for building REST-full services over the .NET Framework/Core. </a:t>
             </a:r>
             <a:endParaRPr lang="en-US" sz="1600" dirty="0"/>
           </a:p>
@@ -13484,11 +13119,7 @@
             <a:pPr fontAlgn="t"/>
             <a:r>
               <a:rPr lang="en-US" sz="1800" dirty="0" smtClean="0"/>
-              <a:t>It </a:t>
-            </a:r>
-            <a:r>
-              <a:rPr lang="en-US" sz="1800" dirty="0" smtClean="0"/>
-              <a:t>can be hosted with in the application or on IIS.</a:t>
+              <a:t>It can be hosted with in the application or on IIS.</a:t>
             </a:r>
           </a:p>
           <a:p>
